--- a/Control-Theory-Course-Teaser.pptx
+++ b/Control-Theory-Course-Teaser.pptx
@@ -276,7 +276,7 @@
       </p15:sldGuideLst>
     </p:ext>
     <p:ext uri="http://customooxmlschemas.google.com/">
-      <go:slidesCustomData xmlns:go="http://customooxmlschemas.google.com/" xmlns:ahyp="http://schemas.microsoft.com/office/drawing/2018/hyperlinkcolor" xmlns:p15="http://schemas.microsoft.com/office/powerpoint/2012/main" xmlns:p14="http://schemas.microsoft.com/office/powerpoint/2010/main" xmlns:com="http://schemas.openxmlformats.org/drawingml/2006/compatibility" xmlns:pvml="urn:schemas-microsoft-com:office:powerpoint" xmlns:v="urn:schemas-microsoft-com:vml" xmlns:o="urn:schemas-microsoft-com:office:office" xmlns:dgm="http://schemas.openxmlformats.org/drawingml/2006/diagram" xmlns:c="http://schemas.openxmlformats.org/drawingml/2006/chart" xmlns:mv="urn:schemas-microsoft-com:mac:vml" xmlns:mc="http://schemas.openxmlformats.org/markup-compatibility/2006" xmlns="" r:id="rId43" roundtripDataSignature="AMtx7mgCuaoS/ao6GLJNkk1J/HieLCYVzQ=="/>
+      <go:slidesCustomData xmlns="" xmlns:mc="http://schemas.openxmlformats.org/markup-compatibility/2006" xmlns:mv="urn:schemas-microsoft-com:mac:vml" xmlns:c="http://schemas.openxmlformats.org/drawingml/2006/chart" xmlns:dgm="http://schemas.openxmlformats.org/drawingml/2006/diagram" xmlns:o="urn:schemas-microsoft-com:office:office" xmlns:v="urn:schemas-microsoft-com:vml" xmlns:pvml="urn:schemas-microsoft-com:office:powerpoint" xmlns:com="http://schemas.openxmlformats.org/drawingml/2006/compatibility" xmlns:p14="http://schemas.microsoft.com/office/powerpoint/2010/main" xmlns:p15="http://schemas.microsoft.com/office/powerpoint/2012/main" xmlns:ahyp="http://schemas.microsoft.com/office/drawing/2018/hyperlinkcolor" xmlns:go="http://customooxmlschemas.google.com/" r:id="rId43" roundtripDataSignature="AMtx7mgCuaoS/ao6GLJNkk1J/HieLCYVzQ=="/>
     </p:ext>
   </p:extLst>
 </p:presentation>
@@ -12898,8 +12898,8 @@
             </a:fontRef>
           </p:style>
         </p:cxnSp>
-        <mc:AlternateContent xmlns:mc="http://schemas.openxmlformats.org/markup-compatibility/2006">
-          <mc:Choice xmlns:a14="http://schemas.microsoft.com/office/drawing/2010/main" Requires="a14">
+        <mc:AlternateContent xmlns:mc="http://schemas.openxmlformats.org/markup-compatibility/2006" xmlns:a14="http://schemas.microsoft.com/office/drawing/2010/main">
+          <mc:Choice Requires="a14">
             <p:sp>
               <p:nvSpPr>
                 <p:cNvPr id="21" name="Rectangle 20">
@@ -12981,7 +12981,7 @@
               </p:txBody>
             </p:sp>
           </mc:Choice>
-          <mc:Fallback>
+          <mc:Fallback xmlns="">
             <p:sp>
               <p:nvSpPr>
                 <p:cNvPr id="21" name="Rectangle 20">
@@ -13026,8 +13026,8 @@
             </p:sp>
           </mc:Fallback>
         </mc:AlternateContent>
-        <mc:AlternateContent xmlns:mc="http://schemas.openxmlformats.org/markup-compatibility/2006">
-          <mc:Choice xmlns:a14="http://schemas.microsoft.com/office/drawing/2010/main" Requires="a14">
+        <mc:AlternateContent xmlns:mc="http://schemas.openxmlformats.org/markup-compatibility/2006" xmlns:a14="http://schemas.microsoft.com/office/drawing/2010/main">
+          <mc:Choice Requires="a14">
             <p:sp>
               <p:nvSpPr>
                 <p:cNvPr id="22" name="Rectangle 21">
@@ -13109,7 +13109,7 @@
               </p:txBody>
             </p:sp>
           </mc:Choice>
-          <mc:Fallback>
+          <mc:Fallback xmlns="">
             <p:sp>
               <p:nvSpPr>
                 <p:cNvPr id="22" name="Rectangle 21">
@@ -13372,7 +13372,7 @@
                 <a:pPr lvl="1"/>
                 <a:r>
                   <a:rPr lang="en-US" sz="2000" dirty="0"/>
-                  <a:t>Modeling: Model the open loop system (OLS)</a:t>
+                  <a:t>System identification: Model the open loop system (OLS)</a:t>
                 </a:r>
               </a:p>
               <a:p>
@@ -13429,8 +13429,8 @@
           </p:sp>
         </mc:Fallback>
       </mc:AlternateContent>
-      <mc:AlternateContent xmlns:mc="http://schemas.openxmlformats.org/markup-compatibility/2006">
-        <mc:Choice xmlns:a14="http://schemas.microsoft.com/office/drawing/2010/main" Requires="a14">
+      <mc:AlternateContent xmlns:mc="http://schemas.openxmlformats.org/markup-compatibility/2006" xmlns:a14="http://schemas.microsoft.com/office/drawing/2010/main">
+        <mc:Choice Requires="a14">
           <p:sp>
             <p:nvSpPr>
               <p:cNvPr id="10" name="Rectangle 9">
@@ -13486,7 +13486,7 @@
             </p:txBody>
           </p:sp>
         </mc:Choice>
-        <mc:Fallback>
+        <mc:Fallback xmlns="">
           <p:sp>
             <p:nvSpPr>
               <p:cNvPr id="10" name="Rectangle 9">
@@ -13551,8 +13551,8 @@
             <a:chExt cx="5368233" cy="1062802"/>
           </a:xfrm>
         </p:grpSpPr>
-        <mc:AlternateContent xmlns:mc="http://schemas.openxmlformats.org/markup-compatibility/2006">
-          <mc:Choice xmlns:a14="http://schemas.microsoft.com/office/drawing/2010/main" Requires="a14">
+        <mc:AlternateContent xmlns:mc="http://schemas.openxmlformats.org/markup-compatibility/2006" xmlns:a14="http://schemas.microsoft.com/office/drawing/2010/main">
+          <mc:Choice Requires="a14">
             <p:sp>
               <p:nvSpPr>
                 <p:cNvPr id="16" name="TextBox 15">
@@ -13602,7 +13602,7 @@
               </p:txBody>
             </p:sp>
           </mc:Choice>
-          <mc:Fallback>
+          <mc:Fallback xmlns="">
             <p:sp>
               <p:nvSpPr>
                 <p:cNvPr id="16" name="TextBox 15">
@@ -13647,8 +13647,8 @@
             </p:sp>
           </mc:Fallback>
         </mc:AlternateContent>
-        <mc:AlternateContent xmlns:mc="http://schemas.openxmlformats.org/markup-compatibility/2006">
-          <mc:Choice xmlns:a14="http://schemas.microsoft.com/office/drawing/2010/main" Requires="a14">
+        <mc:AlternateContent xmlns:mc="http://schemas.openxmlformats.org/markup-compatibility/2006" xmlns:a14="http://schemas.microsoft.com/office/drawing/2010/main">
+          <mc:Choice Requires="a14">
             <p:sp>
               <p:nvSpPr>
                 <p:cNvPr id="11" name="Rectangle 10">
@@ -13711,7 +13711,7 @@
               </p:txBody>
             </p:sp>
           </mc:Choice>
-          <mc:Fallback>
+          <mc:Fallback xmlns="">
             <p:sp>
               <p:nvSpPr>
                 <p:cNvPr id="11" name="Rectangle 10">
@@ -13990,8 +13990,8 @@
             </a:fontRef>
           </p:style>
         </p:cxnSp>
-        <mc:AlternateContent xmlns:mc="http://schemas.openxmlformats.org/markup-compatibility/2006">
-          <mc:Choice xmlns:a14="http://schemas.microsoft.com/office/drawing/2010/main" Requires="a14">
+        <mc:AlternateContent xmlns:mc="http://schemas.openxmlformats.org/markup-compatibility/2006" xmlns:a14="http://schemas.microsoft.com/office/drawing/2010/main">
+          <mc:Choice Requires="a14">
             <p:sp>
               <p:nvSpPr>
                 <p:cNvPr id="19" name="Rectangle 18">
@@ -14115,7 +14115,7 @@
               </p:txBody>
             </p:sp>
           </mc:Choice>
-          <mc:Fallback>
+          <mc:Fallback xmlns="">
             <p:sp>
               <p:nvSpPr>
                 <p:cNvPr id="19" name="Rectangle 18">
@@ -14227,8 +14227,8 @@
             </a:fontRef>
           </p:style>
         </p:cxnSp>
-        <mc:AlternateContent xmlns:mc="http://schemas.openxmlformats.org/markup-compatibility/2006">
-          <mc:Choice xmlns:a14="http://schemas.microsoft.com/office/drawing/2010/main" Requires="a14">
+        <mc:AlternateContent xmlns:mc="http://schemas.openxmlformats.org/markup-compatibility/2006" xmlns:a14="http://schemas.microsoft.com/office/drawing/2010/main">
+          <mc:Choice Requires="a14">
             <p:sp>
               <p:nvSpPr>
                 <p:cNvPr id="20" name="Rectangle 19">
@@ -14307,7 +14307,7 @@
               </p:txBody>
             </p:sp>
           </mc:Choice>
-          <mc:Fallback>
+          <mc:Fallback xmlns="">
             <p:sp>
               <p:nvSpPr>
                 <p:cNvPr id="20" name="Rectangle 19">
@@ -14905,8 +14905,8 @@
           </a:prstGeom>
         </p:spPr>
       </p:pic>
-      <mc:AlternateContent xmlns:mc="http://schemas.openxmlformats.org/markup-compatibility/2006">
-        <mc:Choice xmlns:a14="http://schemas.microsoft.com/office/drawing/2010/main" Requires="a14">
+      <mc:AlternateContent xmlns:mc="http://schemas.openxmlformats.org/markup-compatibility/2006" xmlns:a14="http://schemas.microsoft.com/office/drawing/2010/main">
+        <mc:Choice Requires="a14">
           <p:sp>
             <p:nvSpPr>
               <p:cNvPr id="7" name="TextBox 6">
@@ -15014,6 +15014,7 @@
                 <a:endParaRPr lang="en-US" dirty="0"/>
               </a:p>
               <a:p>
+                <a:pPr/>
                 <a14:m>
                   <m:oMathPara xmlns:m="http://schemas.openxmlformats.org/officeDocument/2006/math">
                     <m:oMathParaPr>
@@ -15147,7 +15148,7 @@
             </p:txBody>
           </p:sp>
         </mc:Choice>
-        <mc:Fallback>
+        <mc:Fallback xmlns="">
           <p:sp>
             <p:nvSpPr>
               <p:cNvPr id="7" name="TextBox 6">
@@ -15504,1304 +15505,1292 @@
           </a:p>
         </p:txBody>
       </p:sp>
-      <p:grpSp>
-        <p:nvGrpSpPr>
-          <p:cNvPr id="6" name="Group 5">
+      <p:sp>
+        <p:nvSpPr>
+          <p:cNvPr id="7" name="Rectangle 6">
             <a:extLst>
               <a:ext uri="{FF2B5EF4-FFF2-40B4-BE49-F238E27FC236}">
-                <a16:creationId xmlns:a16="http://schemas.microsoft.com/office/drawing/2014/main" id="{1C1EBF2B-31C4-7292-FAEB-6E22ED7DF059}"/>
+                <a16:creationId xmlns:a16="http://schemas.microsoft.com/office/drawing/2014/main" id="{890DF13C-1554-F3E2-D691-06D0B2769FE2}"/>
               </a:ext>
             </a:extLst>
           </p:cNvPr>
-          <p:cNvGrpSpPr/>
+          <p:cNvSpPr>
+            <a:spLocks noChangeAspect="1"/>
+          </p:cNvSpPr>
           <p:nvPr/>
-        </p:nvGrpSpPr>
-        <p:grpSpPr>
+        </p:nvSpPr>
+        <p:spPr>
           <a:xfrm>
-            <a:off x="1256817" y="1182414"/>
-            <a:ext cx="6016342" cy="1062802"/>
-            <a:chOff x="394968" y="1619919"/>
-            <a:chExt cx="6342163" cy="1100103"/>
+            <a:off x="5210373" y="1366358"/>
+            <a:ext cx="731432" cy="613420"/>
           </a:xfrm>
-        </p:grpSpPr>
-        <p:sp>
-          <p:nvSpPr>
-            <p:cNvPr id="7" name="Rectangle 6">
-              <a:extLst>
-                <a:ext uri="{FF2B5EF4-FFF2-40B4-BE49-F238E27FC236}">
-                  <a16:creationId xmlns:a16="http://schemas.microsoft.com/office/drawing/2014/main" id="{890DF13C-1554-F3E2-D691-06D0B2769FE2}"/>
-                </a:ext>
-              </a:extLst>
-            </p:cNvPr>
-            <p:cNvSpPr>
-              <a:spLocks noChangeAspect="1"/>
-            </p:cNvSpPr>
-            <p:nvPr/>
-          </p:nvSpPr>
-          <p:spPr>
-            <a:xfrm>
-              <a:off x="4324486" y="1810319"/>
-              <a:ext cx="643565" cy="634949"/>
-            </a:xfrm>
-            <a:prstGeom prst="rect">
-              <a:avLst/>
-            </a:prstGeom>
-          </p:spPr>
-          <p:style>
-            <a:lnRef idx="1">
-              <a:schemeClr val="accent1"/>
-            </a:lnRef>
-            <a:fillRef idx="3">
-              <a:schemeClr val="accent1"/>
-            </a:fillRef>
-            <a:effectRef idx="2">
-              <a:schemeClr val="accent1"/>
-            </a:effectRef>
-            <a:fontRef idx="minor">
-              <a:schemeClr val="lt1"/>
-            </a:fontRef>
-          </p:style>
-          <p:txBody>
-            <a:bodyPr rtlCol="0" anchor="ctr"/>
-            <a:lstStyle/>
-            <a:p>
-              <a:pPr algn="ctr"/>
-              <a:endParaRPr lang="en-US" sz="1600" dirty="0"/>
-            </a:p>
-          </p:txBody>
-        </p:sp>
-        <p:cxnSp>
-          <p:nvCxnSpPr>
-            <p:cNvPr id="8" name="Straight Arrow Connector 7">
-              <a:extLst>
-                <a:ext uri="{FF2B5EF4-FFF2-40B4-BE49-F238E27FC236}">
-                  <a16:creationId xmlns:a16="http://schemas.microsoft.com/office/drawing/2014/main" id="{D7BB765D-E6A3-C122-4191-2AE00DE11F68}"/>
-                </a:ext>
-              </a:extLst>
-            </p:cNvPr>
-            <p:cNvCxnSpPr>
-              <a:cxnSpLocks/>
-            </p:cNvCxnSpPr>
-            <p:nvPr/>
-          </p:nvCxnSpPr>
-          <p:spPr>
-            <a:xfrm flipV="1">
-              <a:off x="3507376" y="2124165"/>
-              <a:ext cx="817110" cy="7257"/>
-            </a:xfrm>
-            <a:prstGeom prst="straightConnector1">
-              <a:avLst/>
-            </a:prstGeom>
-            <a:ln>
-              <a:tailEnd type="triangle" w="lg" len="lg"/>
-            </a:ln>
-            <a:effectLst>
-              <a:outerShdw dist="20000" sx="1000" sy="1000" rotWithShape="0">
-                <a:srgbClr val="000000"/>
-              </a:outerShdw>
-            </a:effectLst>
-          </p:spPr>
-          <p:style>
-            <a:lnRef idx="2">
-              <a:schemeClr val="accent1"/>
-            </a:lnRef>
-            <a:fillRef idx="0">
-              <a:schemeClr val="accent1"/>
-            </a:fillRef>
-            <a:effectRef idx="1">
-              <a:schemeClr val="accent1"/>
-            </a:effectRef>
-            <a:fontRef idx="minor">
-              <a:schemeClr val="tx1"/>
-            </a:fontRef>
-          </p:style>
-        </p:cxnSp>
-        <p:cxnSp>
-          <p:nvCxnSpPr>
-            <p:cNvPr id="9" name="Straight Arrow Connector 8">
-              <a:extLst>
-                <a:ext uri="{FF2B5EF4-FFF2-40B4-BE49-F238E27FC236}">
-                  <a16:creationId xmlns:a16="http://schemas.microsoft.com/office/drawing/2014/main" id="{74A1DCEF-9BDB-DE40-C9C1-D45D8A5FA32F}"/>
-                </a:ext>
-              </a:extLst>
-            </p:cNvPr>
-            <p:cNvCxnSpPr>
-              <a:cxnSpLocks/>
-              <a:stCxn id="10" idx="3"/>
-            </p:cNvCxnSpPr>
-            <p:nvPr/>
-          </p:nvCxnSpPr>
-          <p:spPr>
-            <a:xfrm flipV="1">
-              <a:off x="4981818" y="2118987"/>
-              <a:ext cx="550461" cy="8807"/>
-            </a:xfrm>
-            <a:prstGeom prst="straightConnector1">
-              <a:avLst/>
-            </a:prstGeom>
-            <a:ln>
-              <a:tailEnd type="triangle" w="lg" len="lg"/>
-            </a:ln>
-            <a:effectLst>
-              <a:outerShdw dist="20000" sx="1000" sy="1000" rotWithShape="0">
-                <a:srgbClr val="000000"/>
-              </a:outerShdw>
-            </a:effectLst>
-          </p:spPr>
-          <p:style>
-            <a:lnRef idx="2">
-              <a:schemeClr val="accent1"/>
-            </a:lnRef>
-            <a:fillRef idx="0">
-              <a:schemeClr val="accent1"/>
-            </a:fillRef>
-            <a:effectRef idx="1">
-              <a:schemeClr val="accent1"/>
-            </a:effectRef>
-            <a:fontRef idx="minor">
-              <a:schemeClr val="tx1"/>
-            </a:fontRef>
-          </p:style>
-        </p:cxnSp>
-        <mc:AlternateContent xmlns:mc="http://schemas.openxmlformats.org/markup-compatibility/2006">
-          <mc:Choice xmlns:a14="http://schemas.microsoft.com/office/drawing/2010/main" Requires="a14">
-            <p:sp>
-              <p:nvSpPr>
-                <p:cNvPr id="10" name="Rectangle 9">
-                  <a:extLst>
-                    <a:ext uri="{FF2B5EF4-FFF2-40B4-BE49-F238E27FC236}">
-                      <a16:creationId xmlns:a16="http://schemas.microsoft.com/office/drawing/2014/main" id="{C555D721-3BE5-09A0-2638-34F75A91D0B3}"/>
-                    </a:ext>
-                  </a:extLst>
-                </p:cNvPr>
-                <p:cNvSpPr/>
-                <p:nvPr/>
-              </p:nvSpPr>
-              <p:spPr>
-                <a:xfrm>
-                  <a:off x="4269764" y="1973905"/>
-                  <a:ext cx="712054" cy="307777"/>
-                </a:xfrm>
-                <a:prstGeom prst="rect">
-                  <a:avLst/>
-                </a:prstGeom>
-              </p:spPr>
-              <p:txBody>
-                <a:bodyPr wrap="square">
-                  <a:spAutoFit/>
-                </a:bodyPr>
-                <a:lstStyle/>
-                <a:p>
-                  <a:pPr/>
-                  <a14:m>
-                    <m:oMathPara xmlns:m="http://schemas.openxmlformats.org/officeDocument/2006/math">
-                      <m:oMathParaPr>
-                        <m:jc m:val="centerGroup"/>
-                      </m:oMathParaPr>
-                      <m:oMath xmlns:m="http://schemas.openxmlformats.org/officeDocument/2006/math">
-                        <m:r>
-                          <a:rPr lang="en-US" b="1" i="1" smtClean="0">
-                            <a:solidFill>
-                              <a:schemeClr val="bg1"/>
-                            </a:solidFill>
-                            <a:latin typeface="Cambria Math" panose="02040503050406030204" pitchFamily="18" charset="0"/>
-                          </a:rPr>
-                          <m:t>𝑶𝑳𝑺</m:t>
-                        </m:r>
-                      </m:oMath>
-                    </m:oMathPara>
-                  </a14:m>
-                  <a:endParaRPr lang="en-US" b="1" dirty="0">
-                    <a:solidFill>
-                      <a:schemeClr val="bg1"/>
-                    </a:solidFill>
-                  </a:endParaRPr>
-                </a:p>
-              </p:txBody>
-            </p:sp>
-          </mc:Choice>
-          <mc:Fallback>
-            <p:sp>
-              <p:nvSpPr>
-                <p:cNvPr id="10" name="Rectangle 9">
-                  <a:extLst>
-                    <a:ext uri="{FF2B5EF4-FFF2-40B4-BE49-F238E27FC236}">
-                      <a16:creationId xmlns:a16="http://schemas.microsoft.com/office/drawing/2014/main" id="{C555D721-3BE5-09A0-2638-34F75A91D0B3}"/>
-                    </a:ext>
-                  </a:extLst>
-                </p:cNvPr>
-                <p:cNvSpPr>
-                  <a:spLocks noRot="1" noChangeAspect="1" noMove="1" noResize="1" noEditPoints="1" noAdjustHandles="1" noChangeArrowheads="1" noChangeShapeType="1" noTextEdit="1"/>
-                </p:cNvSpPr>
-                <p:nvPr/>
-              </p:nvSpPr>
-              <p:spPr>
-                <a:xfrm>
-                  <a:off x="4269764" y="1973905"/>
-                  <a:ext cx="712054" cy="307777"/>
-                </a:xfrm>
-                <a:prstGeom prst="rect">
-                  <a:avLst/>
-                </a:prstGeom>
-                <a:blipFill>
-                  <a:blip r:embed="rId2"/>
-                  <a:stretch>
-                    <a:fillRect/>
-                  </a:stretch>
-                </a:blipFill>
-              </p:spPr>
-              <p:txBody>
-                <a:bodyPr/>
-                <a:lstStyle/>
-                <a:p>
-                  <a:r>
-                    <a:rPr lang="en-US">
-                      <a:noFill/>
-                    </a:rPr>
-                    <a:t> </a:t>
-                  </a:r>
-                </a:p>
-              </p:txBody>
-            </p:sp>
-          </mc:Fallback>
-        </mc:AlternateContent>
-        <mc:AlternateContent xmlns:mc="http://schemas.openxmlformats.org/markup-compatibility/2006">
-          <mc:Choice xmlns:a14="http://schemas.microsoft.com/office/drawing/2010/main" Requires="a14">
-            <p:sp>
-              <p:nvSpPr>
-                <p:cNvPr id="11" name="Rectangle 10">
-                  <a:extLst>
-                    <a:ext uri="{FF2B5EF4-FFF2-40B4-BE49-F238E27FC236}">
-                      <a16:creationId xmlns:a16="http://schemas.microsoft.com/office/drawing/2014/main" id="{3E2833BB-9605-AB23-2AA1-25B046E71996}"/>
-                    </a:ext>
-                  </a:extLst>
-                </p:cNvPr>
-                <p:cNvSpPr>
-                  <a:spLocks noChangeAspect="1"/>
-                </p:cNvSpPr>
-                <p:nvPr/>
-              </p:nvSpPr>
-              <p:spPr>
-                <a:xfrm>
-                  <a:off x="2297033" y="1810318"/>
-                  <a:ext cx="1210343" cy="634950"/>
-                </a:xfrm>
-                <a:prstGeom prst="rect">
-                  <a:avLst/>
-                </a:prstGeom>
-              </p:spPr>
-              <p:style>
-                <a:lnRef idx="1">
-                  <a:schemeClr val="accent1"/>
-                </a:lnRef>
-                <a:fillRef idx="3">
-                  <a:schemeClr val="accent1"/>
-                </a:fillRef>
-                <a:effectRef idx="2">
-                  <a:schemeClr val="accent1"/>
-                </a:effectRef>
-                <a:fontRef idx="minor">
-                  <a:schemeClr val="lt1"/>
-                </a:fontRef>
-              </p:style>
-              <p:txBody>
-                <a:bodyPr rtlCol="0" anchor="ctr"/>
-                <a:lstStyle/>
-                <a:p>
-                  <a:pPr algn="ctr"/>
-                  <a14:m>
-                    <m:oMathPara xmlns:m="http://schemas.openxmlformats.org/officeDocument/2006/math">
-                      <m:oMathParaPr>
-                        <m:jc m:val="centerGroup"/>
-                      </m:oMathParaPr>
-                      <m:oMath xmlns:m="http://schemas.openxmlformats.org/officeDocument/2006/math">
-                        <m:r>
-                          <a:rPr lang="en-US" sz="1600" b="0" i="1" smtClean="0">
-                            <a:latin typeface="Cambria Math" panose="02040503050406030204" pitchFamily="18" charset="0"/>
-                          </a:rPr>
-                          <m:t>𝐶𝑜𝑛𝑡𝑟𝑜𝑙𝑙𝑒𝑟</m:t>
-                        </m:r>
-                      </m:oMath>
-                    </m:oMathPara>
-                  </a14:m>
-                  <a:endParaRPr lang="en-US" sz="1600" dirty="0"/>
-                </a:p>
-              </p:txBody>
-            </p:sp>
-          </mc:Choice>
-          <mc:Fallback>
-            <p:sp>
-              <p:nvSpPr>
-                <p:cNvPr id="11" name="Rectangle 10">
-                  <a:extLst>
-                    <a:ext uri="{FF2B5EF4-FFF2-40B4-BE49-F238E27FC236}">
-                      <a16:creationId xmlns:a16="http://schemas.microsoft.com/office/drawing/2014/main" id="{3E2833BB-9605-AB23-2AA1-25B046E71996}"/>
-                    </a:ext>
-                  </a:extLst>
-                </p:cNvPr>
-                <p:cNvSpPr>
-                  <a:spLocks noRot="1" noChangeAspect="1" noMove="1" noResize="1" noEditPoints="1" noAdjustHandles="1" noChangeArrowheads="1" noChangeShapeType="1" noTextEdit="1"/>
-                </p:cNvSpPr>
-                <p:nvPr/>
-              </p:nvSpPr>
-              <p:spPr>
-                <a:xfrm>
-                  <a:off x="2297033" y="1810318"/>
-                  <a:ext cx="1210343" cy="634950"/>
-                </a:xfrm>
-                <a:prstGeom prst="rect">
-                  <a:avLst/>
-                </a:prstGeom>
-                <a:blipFill>
-                  <a:blip r:embed="rId3"/>
-                  <a:stretch>
-                    <a:fillRect/>
-                  </a:stretch>
-                </a:blipFill>
-              </p:spPr>
-              <p:txBody>
-                <a:bodyPr/>
-                <a:lstStyle/>
-                <a:p>
-                  <a:r>
-                    <a:rPr lang="en-US">
-                      <a:noFill/>
-                    </a:rPr>
-                    <a:t> </a:t>
-                  </a:r>
-                </a:p>
-              </p:txBody>
-            </p:sp>
-          </mc:Fallback>
-        </mc:AlternateContent>
-        <p:cxnSp>
-          <p:nvCxnSpPr>
-            <p:cNvPr id="12" name="Straight Arrow Connector 11">
-              <a:extLst>
-                <a:ext uri="{FF2B5EF4-FFF2-40B4-BE49-F238E27FC236}">
-                  <a16:creationId xmlns:a16="http://schemas.microsoft.com/office/drawing/2014/main" id="{B70EEC4A-EAA6-8DDA-48A2-7CDBB01C8507}"/>
-                </a:ext>
-              </a:extLst>
-            </p:cNvPr>
-            <p:cNvCxnSpPr>
-              <a:cxnSpLocks/>
-            </p:cNvCxnSpPr>
-            <p:nvPr/>
-          </p:nvCxnSpPr>
-          <p:spPr>
-            <a:xfrm flipV="1">
-              <a:off x="530655" y="2125890"/>
-              <a:ext cx="644896" cy="3806"/>
-            </a:xfrm>
-            <a:prstGeom prst="straightConnector1">
-              <a:avLst/>
-            </a:prstGeom>
-            <a:ln>
-              <a:tailEnd type="triangle" w="lg" len="lg"/>
-            </a:ln>
-            <a:effectLst>
-              <a:outerShdw dist="20000" sx="1000" sy="1000" rotWithShape="0">
-                <a:srgbClr val="000000"/>
-              </a:outerShdw>
-            </a:effectLst>
-          </p:spPr>
-          <p:style>
-            <a:lnRef idx="2">
-              <a:schemeClr val="accent1"/>
-            </a:lnRef>
-            <a:fillRef idx="0">
-              <a:schemeClr val="accent1"/>
-            </a:fillRef>
-            <a:effectRef idx="1">
-              <a:schemeClr val="accent1"/>
-            </a:effectRef>
-            <a:fontRef idx="minor">
-              <a:schemeClr val="tx1"/>
-            </a:fontRef>
-          </p:style>
-        </p:cxnSp>
-        <p:sp>
-          <p:nvSpPr>
-            <p:cNvPr id="13" name="Oval 12">
-              <a:extLst>
-                <a:ext uri="{FF2B5EF4-FFF2-40B4-BE49-F238E27FC236}">
-                  <a16:creationId xmlns:a16="http://schemas.microsoft.com/office/drawing/2014/main" id="{8DBE93A7-9627-48DC-E332-B7A740909066}"/>
-                </a:ext>
-              </a:extLst>
-            </p:cNvPr>
-            <p:cNvSpPr/>
-            <p:nvPr/>
-          </p:nvSpPr>
-          <p:spPr>
-            <a:xfrm>
-              <a:off x="1194765" y="1976873"/>
-              <a:ext cx="301841" cy="301840"/>
-            </a:xfrm>
-            <a:prstGeom prst="ellipse">
-              <a:avLst/>
-            </a:prstGeom>
-          </p:spPr>
-          <p:style>
-            <a:lnRef idx="1">
-              <a:schemeClr val="accent1"/>
-            </a:lnRef>
-            <a:fillRef idx="3">
-              <a:schemeClr val="accent1"/>
-            </a:fillRef>
-            <a:effectRef idx="2">
-              <a:schemeClr val="accent1"/>
-            </a:effectRef>
-            <a:fontRef idx="minor">
-              <a:schemeClr val="lt1"/>
-            </a:fontRef>
-          </p:style>
-          <p:txBody>
-            <a:bodyPr rtlCol="0" anchor="ctr"/>
-            <a:lstStyle/>
-            <a:p>
-              <a:pPr algn="ctr"/>
-              <a:r>
-                <a:rPr lang="en-US" dirty="0"/>
-                <a:t>+</a:t>
-              </a:r>
-            </a:p>
-          </p:txBody>
-        </p:sp>
-        <p:cxnSp>
-          <p:nvCxnSpPr>
-            <p:cNvPr id="14" name="Elbow Connector 13">
-              <a:extLst>
-                <a:ext uri="{FF2B5EF4-FFF2-40B4-BE49-F238E27FC236}">
-                  <a16:creationId xmlns:a16="http://schemas.microsoft.com/office/drawing/2014/main" id="{EB8F0270-1BE3-20E4-52C3-B29AD8923090}"/>
-                </a:ext>
-              </a:extLst>
-            </p:cNvPr>
-            <p:cNvCxnSpPr>
-              <a:cxnSpLocks/>
-              <a:stCxn id="17" idx="4"/>
-              <a:endCxn id="13" idx="4"/>
-            </p:cNvCxnSpPr>
-            <p:nvPr/>
-          </p:nvCxnSpPr>
-          <p:spPr>
-            <a:xfrm rot="5400000">
-              <a:off x="3509188" y="104701"/>
-              <a:ext cx="10510" cy="4337514"/>
-            </a:xfrm>
-            <a:prstGeom prst="bentConnector3">
-              <a:avLst>
-                <a:gd name="adj1" fmla="val 3675109"/>
-              </a:avLst>
-            </a:prstGeom>
-            <a:ln w="19050">
-              <a:tailEnd type="triangle" w="lg" len="lg"/>
-            </a:ln>
-            <a:effectLst>
-              <a:outerShdw dist="20000" sx="1000" sy="1000" rotWithShape="0">
-                <a:srgbClr val="000000"/>
-              </a:outerShdw>
-            </a:effectLst>
-          </p:spPr>
-          <p:style>
-            <a:lnRef idx="2">
-              <a:schemeClr val="accent1"/>
-            </a:lnRef>
-            <a:fillRef idx="0">
-              <a:schemeClr val="accent1"/>
-            </a:fillRef>
-            <a:effectRef idx="1">
-              <a:schemeClr val="accent1"/>
-            </a:effectRef>
-            <a:fontRef idx="minor">
-              <a:schemeClr val="tx1"/>
-            </a:fontRef>
-          </p:style>
-        </p:cxnSp>
-        <p:cxnSp>
-          <p:nvCxnSpPr>
-            <p:cNvPr id="15" name="Straight Arrow Connector 14">
-              <a:extLst>
-                <a:ext uri="{FF2B5EF4-FFF2-40B4-BE49-F238E27FC236}">
-                  <a16:creationId xmlns:a16="http://schemas.microsoft.com/office/drawing/2014/main" id="{65FC3EC6-A453-E328-CE7F-B20C9D4AFF6A}"/>
-                </a:ext>
-              </a:extLst>
-            </p:cNvPr>
-            <p:cNvCxnSpPr>
-              <a:cxnSpLocks/>
-            </p:cNvCxnSpPr>
-            <p:nvPr/>
-          </p:nvCxnSpPr>
-          <p:spPr>
-            <a:xfrm>
-              <a:off x="1496606" y="2124165"/>
-              <a:ext cx="800427" cy="7257"/>
-            </a:xfrm>
-            <a:prstGeom prst="straightConnector1">
-              <a:avLst/>
-            </a:prstGeom>
-            <a:ln>
-              <a:tailEnd type="triangle" w="lg" len="lg"/>
-            </a:ln>
-            <a:effectLst>
-              <a:outerShdw dist="20000" sx="1000" sy="1000" rotWithShape="0">
-                <a:srgbClr val="000000"/>
-              </a:outerShdw>
-            </a:effectLst>
-          </p:spPr>
-          <p:style>
-            <a:lnRef idx="2">
-              <a:schemeClr val="accent1"/>
-            </a:lnRef>
-            <a:fillRef idx="0">
-              <a:schemeClr val="accent1"/>
-            </a:fillRef>
-            <a:effectRef idx="1">
-              <a:schemeClr val="accent1"/>
-            </a:effectRef>
-            <a:fontRef idx="minor">
-              <a:schemeClr val="tx1"/>
-            </a:fontRef>
-          </p:style>
-        </p:cxnSp>
-        <mc:AlternateContent xmlns:mc="http://schemas.openxmlformats.org/markup-compatibility/2006">
-          <mc:Choice xmlns:a14="http://schemas.microsoft.com/office/drawing/2010/main" Requires="a14">
-            <p:sp>
-              <p:nvSpPr>
-                <p:cNvPr id="16" name="TextBox 15">
-                  <a:extLst>
-                    <a:ext uri="{FF2B5EF4-FFF2-40B4-BE49-F238E27FC236}">
-                      <a16:creationId xmlns:a16="http://schemas.microsoft.com/office/drawing/2014/main" id="{2F6C3D04-D81D-7656-993F-B13C0BB2D83B}"/>
-                    </a:ext>
-                  </a:extLst>
-                </p:cNvPr>
-                <p:cNvSpPr txBox="1"/>
-                <p:nvPr/>
-              </p:nvSpPr>
-              <p:spPr>
-                <a:xfrm>
-                  <a:off x="1078176" y="2443023"/>
-                  <a:ext cx="237244" cy="276999"/>
-                </a:xfrm>
-                <a:prstGeom prst="rect">
-                  <a:avLst/>
-                </a:prstGeom>
+          <a:prstGeom prst="rect">
+            <a:avLst/>
+          </a:prstGeom>
+        </p:spPr>
+        <p:style>
+          <a:lnRef idx="1">
+            <a:schemeClr val="accent1"/>
+          </a:lnRef>
+          <a:fillRef idx="3">
+            <a:schemeClr val="accent1"/>
+          </a:fillRef>
+          <a:effectRef idx="2">
+            <a:schemeClr val="accent1"/>
+          </a:effectRef>
+          <a:fontRef idx="minor">
+            <a:schemeClr val="lt1"/>
+          </a:fontRef>
+        </p:style>
+        <p:txBody>
+          <a:bodyPr rtlCol="0" anchor="ctr"/>
+          <a:lstStyle/>
+          <a:p>
+            <a:pPr algn="ctr"/>
+            <a:endParaRPr lang="en-US" sz="1600" dirty="0"/>
+          </a:p>
+        </p:txBody>
+      </p:sp>
+      <p:cxnSp>
+        <p:nvCxnSpPr>
+          <p:cNvPr id="8" name="Straight Arrow Connector 7">
+            <a:extLst>
+              <a:ext uri="{FF2B5EF4-FFF2-40B4-BE49-F238E27FC236}">
+                <a16:creationId xmlns:a16="http://schemas.microsoft.com/office/drawing/2014/main" id="{D7BB765D-E6A3-C122-4191-2AE00DE11F68}"/>
+              </a:ext>
+            </a:extLst>
+          </p:cNvPr>
+          <p:cNvCxnSpPr>
+            <a:cxnSpLocks/>
+            <a:stCxn id="11" idx="3"/>
+            <a:endCxn id="30" idx="1"/>
+          </p:cNvCxnSpPr>
+          <p:nvPr/>
+        </p:nvCxnSpPr>
+        <p:spPr>
+          <a:xfrm flipV="1">
+            <a:off x="4209329" y="1668845"/>
+            <a:ext cx="671874" cy="4223"/>
+          </a:xfrm>
+          <a:prstGeom prst="straightConnector1">
+            <a:avLst/>
+          </a:prstGeom>
+          <a:ln>
+            <a:tailEnd type="triangle" w="lg" len="lg"/>
+          </a:ln>
+          <a:effectLst>
+            <a:outerShdw dist="20000" sx="1000" sy="1000" rotWithShape="0">
+              <a:srgbClr val="000000"/>
+            </a:outerShdw>
+          </a:effectLst>
+        </p:spPr>
+        <p:style>
+          <a:lnRef idx="2">
+            <a:schemeClr val="accent1"/>
+          </a:lnRef>
+          <a:fillRef idx="0">
+            <a:schemeClr val="accent1"/>
+          </a:fillRef>
+          <a:effectRef idx="1">
+            <a:schemeClr val="accent1"/>
+          </a:effectRef>
+          <a:fontRef idx="minor">
+            <a:schemeClr val="tx1"/>
+          </a:fontRef>
+        </p:style>
+      </p:cxnSp>
+      <p:cxnSp>
+        <p:nvCxnSpPr>
+          <p:cNvPr id="9" name="Straight Arrow Connector 8">
+            <a:extLst>
+              <a:ext uri="{FF2B5EF4-FFF2-40B4-BE49-F238E27FC236}">
+                <a16:creationId xmlns:a16="http://schemas.microsoft.com/office/drawing/2014/main" id="{74A1DCEF-9BDB-DE40-C9C1-D45D8A5FA32F}"/>
+              </a:ext>
+            </a:extLst>
+          </p:cNvPr>
+          <p:cNvCxnSpPr>
+            <a:cxnSpLocks/>
+            <a:stCxn id="7" idx="3"/>
+          </p:cNvCxnSpPr>
+          <p:nvPr/>
+        </p:nvCxnSpPr>
+        <p:spPr>
+          <a:xfrm flipV="1">
+            <a:off x="5941805" y="1664560"/>
+            <a:ext cx="430137" cy="8508"/>
+          </a:xfrm>
+          <a:prstGeom prst="straightConnector1">
+            <a:avLst/>
+          </a:prstGeom>
+          <a:ln>
+            <a:tailEnd type="triangle" w="lg" len="lg"/>
+          </a:ln>
+          <a:effectLst>
+            <a:outerShdw dist="20000" sx="1000" sy="1000" rotWithShape="0">
+              <a:srgbClr val="000000"/>
+            </a:outerShdw>
+          </a:effectLst>
+        </p:spPr>
+        <p:style>
+          <a:lnRef idx="2">
+            <a:schemeClr val="accent1"/>
+          </a:lnRef>
+          <a:fillRef idx="0">
+            <a:schemeClr val="accent1"/>
+          </a:fillRef>
+          <a:effectRef idx="1">
+            <a:schemeClr val="accent1"/>
+          </a:effectRef>
+          <a:fontRef idx="minor">
+            <a:schemeClr val="tx1"/>
+          </a:fontRef>
+        </p:style>
+      </p:cxnSp>
+      <mc:AlternateContent xmlns:mc="http://schemas.openxmlformats.org/markup-compatibility/2006">
+        <mc:Choice xmlns:a14="http://schemas.microsoft.com/office/drawing/2010/main" Requires="a14">
+          <p:sp>
+            <p:nvSpPr>
+              <p:cNvPr id="10" name="Rectangle 9">
+                <a:extLst>
+                  <a:ext uri="{FF2B5EF4-FFF2-40B4-BE49-F238E27FC236}">
+                    <a16:creationId xmlns:a16="http://schemas.microsoft.com/office/drawing/2014/main" id="{C555D721-3BE5-09A0-2638-34F75A91D0B3}"/>
+                  </a:ext>
+                </a:extLst>
+              </p:cNvPr>
+              <p:cNvSpPr/>
+              <p:nvPr/>
+            </p:nvSpPr>
+            <p:spPr>
+              <a:xfrm>
+                <a:off x="5279390" y="1524397"/>
+                <a:ext cx="675473" cy="297341"/>
+              </a:xfrm>
+              <a:prstGeom prst="rect">
+                <a:avLst/>
+              </a:prstGeom>
+            </p:spPr>
+            <p:txBody>
+              <a:bodyPr wrap="square">
+                <a:spAutoFit/>
+              </a:bodyPr>
+              <a:lstStyle/>
+              <a:p>
+                <a:pPr/>
+                <a14:m>
+                  <m:oMathPara xmlns:m="http://schemas.openxmlformats.org/officeDocument/2006/math">
+                    <m:oMathParaPr>
+                      <m:jc m:val="centerGroup"/>
+                    </m:oMathParaPr>
+                    <m:oMath xmlns:m="http://schemas.openxmlformats.org/officeDocument/2006/math">
+                      <m:r>
+                        <a:rPr lang="en-US" b="1" i="1" smtClean="0">
+                          <a:solidFill>
+                            <a:schemeClr val="bg1"/>
+                          </a:solidFill>
+                          <a:latin typeface="Cambria Math" panose="02040503050406030204" pitchFamily="18" charset="0"/>
+                        </a:rPr>
+                        <m:t>𝑶𝑳𝑺</m:t>
+                      </m:r>
+                    </m:oMath>
+                  </m:oMathPara>
+                </a14:m>
+                <a:endParaRPr lang="en-US" b="1" dirty="0">
+                  <a:solidFill>
+                    <a:schemeClr val="bg1"/>
+                  </a:solidFill>
+                </a:endParaRPr>
+              </a:p>
+            </p:txBody>
+          </p:sp>
+        </mc:Choice>
+        <mc:Fallback>
+          <p:sp>
+            <p:nvSpPr>
+              <p:cNvPr id="10" name="Rectangle 9">
+                <a:extLst>
+                  <a:ext uri="{FF2B5EF4-FFF2-40B4-BE49-F238E27FC236}">
+                    <a16:creationId xmlns:a16="http://schemas.microsoft.com/office/drawing/2014/main" id="{C555D721-3BE5-09A0-2638-34F75A91D0B3}"/>
+                  </a:ext>
+                </a:extLst>
+              </p:cNvPr>
+              <p:cNvSpPr>
+                <a:spLocks noRot="1" noChangeAspect="1" noMove="1" noResize="1" noEditPoints="1" noAdjustHandles="1" noChangeArrowheads="1" noChangeShapeType="1" noTextEdit="1"/>
+              </p:cNvSpPr>
+              <p:nvPr/>
+            </p:nvSpPr>
+            <p:spPr>
+              <a:xfrm>
+                <a:off x="5279390" y="1524397"/>
+                <a:ext cx="675473" cy="297341"/>
+              </a:xfrm>
+              <a:prstGeom prst="rect">
+                <a:avLst/>
+              </a:prstGeom>
+              <a:blipFill>
+                <a:blip r:embed="rId2"/>
+                <a:stretch>
+                  <a:fillRect/>
+                </a:stretch>
+              </a:blipFill>
+            </p:spPr>
+            <p:txBody>
+              <a:bodyPr/>
+              <a:lstStyle/>
+              <a:p>
+                <a:r>
+                  <a:rPr lang="en-US">
+                    <a:noFill/>
+                  </a:rPr>
+                  <a:t> </a:t>
+                </a:r>
+              </a:p>
+            </p:txBody>
+          </p:sp>
+        </mc:Fallback>
+      </mc:AlternateContent>
+      <mc:AlternateContent xmlns:mc="http://schemas.openxmlformats.org/markup-compatibility/2006">
+        <mc:Choice xmlns:a14="http://schemas.microsoft.com/office/drawing/2010/main" Requires="a14">
+          <p:sp>
+            <p:nvSpPr>
+              <p:cNvPr id="11" name="Rectangle 10">
+                <a:extLst>
+                  <a:ext uri="{FF2B5EF4-FFF2-40B4-BE49-F238E27FC236}">
+                    <a16:creationId xmlns:a16="http://schemas.microsoft.com/office/drawing/2014/main" id="{3E2833BB-9605-AB23-2AA1-25B046E71996}"/>
+                  </a:ext>
+                </a:extLst>
+              </p:cNvPr>
+              <p:cNvSpPr>
+                <a:spLocks noChangeAspect="1"/>
+              </p:cNvSpPr>
+              <p:nvPr/>
+            </p:nvSpPr>
+            <p:spPr>
+              <a:xfrm>
+                <a:off x="3061166" y="1366357"/>
+                <a:ext cx="1148163" cy="613421"/>
+              </a:xfrm>
+              <a:prstGeom prst="rect">
+                <a:avLst/>
+              </a:prstGeom>
+              <a:solidFill>
+                <a:srgbClr val="FF0000"/>
+              </a:solidFill>
+              <a:ln>
                 <a:noFill/>
-              </p:spPr>
-              <p:txBody>
-                <a:bodyPr wrap="none" lIns="0" tIns="0" rIns="0" bIns="0" rtlCol="0">
-                  <a:spAutoFit/>
-                </a:bodyPr>
-                <a:lstStyle/>
-                <a:p>
-                  <a:pPr/>
-                  <a14:m>
-                    <m:oMathPara xmlns:m="http://schemas.openxmlformats.org/officeDocument/2006/math">
-                      <m:oMathParaPr>
-                        <m:jc m:val="centerGroup"/>
-                      </m:oMathParaPr>
-                      <m:oMath xmlns:m="http://schemas.openxmlformats.org/officeDocument/2006/math">
-                        <m:r>
-                          <a:rPr lang="en-US" b="0" i="1" smtClean="0">
-                            <a:latin typeface="Cambria Math" panose="02040503050406030204" pitchFamily="18" charset="0"/>
-                          </a:rPr>
-                          <m:t>−</m:t>
-                        </m:r>
-                      </m:oMath>
-                    </m:oMathPara>
-                  </a14:m>
-                  <a:endParaRPr lang="en-US" dirty="0"/>
-                </a:p>
-              </p:txBody>
-            </p:sp>
-          </mc:Choice>
-          <mc:Fallback>
-            <p:sp>
-              <p:nvSpPr>
-                <p:cNvPr id="16" name="TextBox 15">
-                  <a:extLst>
-                    <a:ext uri="{FF2B5EF4-FFF2-40B4-BE49-F238E27FC236}">
-                      <a16:creationId xmlns:a16="http://schemas.microsoft.com/office/drawing/2014/main" id="{2F6C3D04-D81D-7656-993F-B13C0BB2D83B}"/>
-                    </a:ext>
-                  </a:extLst>
-                </p:cNvPr>
-                <p:cNvSpPr txBox="1">
-                  <a:spLocks noRot="1" noChangeAspect="1" noMove="1" noResize="1" noEditPoints="1" noAdjustHandles="1" noChangeArrowheads="1" noChangeShapeType="1" noTextEdit="1"/>
-                </p:cNvSpPr>
-                <p:nvPr/>
-              </p:nvSpPr>
-              <p:spPr>
-                <a:xfrm>
-                  <a:off x="1078176" y="2443023"/>
-                  <a:ext cx="237244" cy="276999"/>
-                </a:xfrm>
-                <a:prstGeom prst="rect">
-                  <a:avLst/>
-                </a:prstGeom>
-                <a:blipFill>
-                  <a:blip r:embed="rId4"/>
-                  <a:stretch>
-                    <a:fillRect/>
-                  </a:stretch>
-                </a:blipFill>
-              </p:spPr>
-              <p:txBody>
-                <a:bodyPr/>
-                <a:lstStyle/>
-                <a:p>
-                  <a:r>
-                    <a:rPr lang="en-US">
-                      <a:noFill/>
-                    </a:rPr>
-                    <a:t> </a:t>
-                  </a:r>
-                </a:p>
-              </p:txBody>
-            </p:sp>
-          </mc:Fallback>
-        </mc:AlternateContent>
-        <p:sp>
-          <p:nvSpPr>
-            <p:cNvPr id="17" name="Oval 16">
-              <a:extLst>
-                <a:ext uri="{FF2B5EF4-FFF2-40B4-BE49-F238E27FC236}">
-                  <a16:creationId xmlns:a16="http://schemas.microsoft.com/office/drawing/2014/main" id="{B8A7A63E-30BD-82E4-1001-7BE13AE2E492}"/>
-                </a:ext>
-              </a:extLst>
-            </p:cNvPr>
-            <p:cNvSpPr/>
-            <p:nvPr/>
-          </p:nvSpPr>
-          <p:spPr>
-            <a:xfrm>
-              <a:off x="5532279" y="1966363"/>
-              <a:ext cx="301841" cy="301840"/>
-            </a:xfrm>
-            <a:prstGeom prst="ellipse">
-              <a:avLst/>
-            </a:prstGeom>
-          </p:spPr>
-          <p:style>
-            <a:lnRef idx="1">
-              <a:schemeClr val="accent1"/>
-            </a:lnRef>
-            <a:fillRef idx="3">
-              <a:schemeClr val="accent1"/>
-            </a:fillRef>
-            <a:effectRef idx="2">
-              <a:schemeClr val="accent1"/>
-            </a:effectRef>
-            <a:fontRef idx="minor">
-              <a:schemeClr val="lt1"/>
-            </a:fontRef>
-          </p:style>
-          <p:txBody>
-            <a:bodyPr rtlCol="0" anchor="ctr"/>
-            <a:lstStyle/>
-            <a:p>
-              <a:pPr algn="ctr"/>
-              <a:endParaRPr lang="en-US" dirty="0"/>
-            </a:p>
-          </p:txBody>
-        </p:sp>
-        <p:cxnSp>
-          <p:nvCxnSpPr>
-            <p:cNvPr id="18" name="Straight Arrow Connector 17">
-              <a:extLst>
-                <a:ext uri="{FF2B5EF4-FFF2-40B4-BE49-F238E27FC236}">
-                  <a16:creationId xmlns:a16="http://schemas.microsoft.com/office/drawing/2014/main" id="{9ABA6621-F5BC-E1F4-EA71-1BE76064F093}"/>
-                </a:ext>
-              </a:extLst>
-            </p:cNvPr>
-            <p:cNvCxnSpPr>
-              <a:cxnSpLocks/>
-              <a:stCxn id="17" idx="6"/>
-            </p:cNvCxnSpPr>
-            <p:nvPr/>
-          </p:nvCxnSpPr>
-          <p:spPr>
-            <a:xfrm flipV="1">
-              <a:off x="5834120" y="2108477"/>
-              <a:ext cx="903011" cy="8806"/>
-            </a:xfrm>
-            <a:prstGeom prst="straightConnector1">
-              <a:avLst/>
-            </a:prstGeom>
-            <a:ln>
-              <a:tailEnd type="triangle" w="lg" len="lg"/>
-            </a:ln>
-            <a:effectLst>
-              <a:outerShdw dist="20000" sx="1000" sy="1000" rotWithShape="0">
-                <a:srgbClr val="000000"/>
-              </a:outerShdw>
-            </a:effectLst>
-          </p:spPr>
-          <p:style>
-            <a:lnRef idx="2">
-              <a:schemeClr val="accent1"/>
-            </a:lnRef>
-            <a:fillRef idx="0">
-              <a:schemeClr val="accent1"/>
-            </a:fillRef>
-            <a:effectRef idx="1">
-              <a:schemeClr val="accent1"/>
-            </a:effectRef>
-            <a:fontRef idx="minor">
-              <a:schemeClr val="tx1"/>
-            </a:fontRef>
-          </p:style>
-        </p:cxnSp>
-        <mc:AlternateContent xmlns:mc="http://schemas.openxmlformats.org/markup-compatibility/2006">
-          <mc:Choice xmlns:a14="http://schemas.microsoft.com/office/drawing/2010/main" Requires="a14">
-            <p:sp>
-              <p:nvSpPr>
-                <p:cNvPr id="19" name="Rectangle 18">
-                  <a:extLst>
-                    <a:ext uri="{FF2B5EF4-FFF2-40B4-BE49-F238E27FC236}">
-                      <a16:creationId xmlns:a16="http://schemas.microsoft.com/office/drawing/2014/main" id="{53BCDD1F-032C-EC03-DB95-6195A5933AAF}"/>
-                    </a:ext>
-                  </a:extLst>
-                </p:cNvPr>
-                <p:cNvSpPr/>
-                <p:nvPr/>
-              </p:nvSpPr>
-              <p:spPr>
-                <a:xfrm>
-                  <a:off x="1157356" y="1619919"/>
-                  <a:ext cx="1297742" cy="307777"/>
-                </a:xfrm>
-                <a:prstGeom prst="rect">
-                  <a:avLst/>
-                </a:prstGeom>
-              </p:spPr>
-              <p:txBody>
-                <a:bodyPr wrap="square">
-                  <a:spAutoFit/>
-                </a:bodyPr>
-                <a:lstStyle/>
-                <a:p>
-                  <a:pPr/>
-                  <a14:m>
-                    <m:oMathPara xmlns:m="http://schemas.openxmlformats.org/officeDocument/2006/math">
-                      <m:oMathParaPr>
-                        <m:jc m:val="centerGroup"/>
-                      </m:oMathParaPr>
-                      <m:oMath xmlns:m="http://schemas.openxmlformats.org/officeDocument/2006/math">
-                        <m:r>
-                          <a:rPr lang="en-US" b="0" i="1" smtClean="0">
-                            <a:solidFill>
-                              <a:schemeClr val="tx1"/>
-                            </a:solidFill>
-                            <a:latin typeface="Cambria Math" panose="02040503050406030204" pitchFamily="18" charset="0"/>
-                          </a:rPr>
-                          <m:t>𝑟</m:t>
-                        </m:r>
-                        <m:d>
-                          <m:dPr>
-                            <m:ctrlPr>
-                              <a:rPr lang="en-US" b="0" i="1" smtClean="0">
-                                <a:solidFill>
-                                  <a:schemeClr val="tx1"/>
-                                </a:solidFill>
-                                <a:latin typeface="Cambria Math" panose="02040503050406030204" pitchFamily="18" charset="0"/>
-                              </a:rPr>
-                            </m:ctrlPr>
-                          </m:dPr>
-                          <m:e>
-                            <m:r>
-                              <a:rPr lang="en-US" b="0" i="1" smtClean="0">
-                                <a:solidFill>
-                                  <a:schemeClr val="tx1"/>
-                                </a:solidFill>
-                                <a:latin typeface="Cambria Math" panose="02040503050406030204" pitchFamily="18" charset="0"/>
-                              </a:rPr>
-                              <m:t>𝑘</m:t>
-                            </m:r>
-                          </m:e>
-                        </m:d>
-                        <m:r>
-                          <a:rPr lang="en-US" b="0" i="1" smtClean="0">
-                            <a:solidFill>
-                              <a:schemeClr val="tx1"/>
-                            </a:solidFill>
-                            <a:latin typeface="Cambria Math" panose="02040503050406030204" pitchFamily="18" charset="0"/>
-                          </a:rPr>
-                          <m:t>−</m:t>
-                        </m:r>
-                        <m:r>
-                          <a:rPr lang="en-US" b="0" i="1" smtClean="0">
-                            <a:solidFill>
-                              <a:schemeClr val="tx1"/>
-                            </a:solidFill>
-                            <a:latin typeface="Cambria Math" panose="02040503050406030204" pitchFamily="18" charset="0"/>
-                          </a:rPr>
-                          <m:t>𝑦</m:t>
-                        </m:r>
-                        <m:r>
-                          <a:rPr lang="en-US" b="0" i="1" smtClean="0">
-                            <a:solidFill>
-                              <a:schemeClr val="tx1"/>
-                            </a:solidFill>
-                            <a:latin typeface="Cambria Math" panose="02040503050406030204" pitchFamily="18" charset="0"/>
-                          </a:rPr>
-                          <m:t>(</m:t>
-                        </m:r>
-                        <m:r>
-                          <a:rPr lang="en-US" b="0" i="1" smtClean="0">
-                            <a:solidFill>
-                              <a:schemeClr val="tx1"/>
-                            </a:solidFill>
-                            <a:latin typeface="Cambria Math" panose="02040503050406030204" pitchFamily="18" charset="0"/>
-                          </a:rPr>
-                          <m:t>𝑘</m:t>
-                        </m:r>
-                        <m:r>
-                          <a:rPr lang="en-US" b="0" i="1" smtClean="0">
-                            <a:solidFill>
-                              <a:schemeClr val="tx1"/>
-                            </a:solidFill>
-                            <a:latin typeface="Cambria Math" panose="02040503050406030204" pitchFamily="18" charset="0"/>
-                          </a:rPr>
-                          <m:t>)</m:t>
-                        </m:r>
-                      </m:oMath>
-                    </m:oMathPara>
-                  </a14:m>
-                  <a:endParaRPr lang="en-US" dirty="0">
-                    <a:solidFill>
-                      <a:schemeClr val="tx1"/>
-                    </a:solidFill>
-                  </a:endParaRPr>
-                </a:p>
-              </p:txBody>
-            </p:sp>
-          </mc:Choice>
-          <mc:Fallback>
-            <p:sp>
-              <p:nvSpPr>
-                <p:cNvPr id="19" name="Rectangle 18">
-                  <a:extLst>
-                    <a:ext uri="{FF2B5EF4-FFF2-40B4-BE49-F238E27FC236}">
-                      <a16:creationId xmlns:a16="http://schemas.microsoft.com/office/drawing/2014/main" id="{53BCDD1F-032C-EC03-DB95-6195A5933AAF}"/>
-                    </a:ext>
-                  </a:extLst>
-                </p:cNvPr>
-                <p:cNvSpPr>
-                  <a:spLocks noRot="1" noChangeAspect="1" noMove="1" noResize="1" noEditPoints="1" noAdjustHandles="1" noChangeArrowheads="1" noChangeShapeType="1" noTextEdit="1"/>
-                </p:cNvSpPr>
-                <p:nvPr/>
-              </p:nvSpPr>
-              <p:spPr>
-                <a:xfrm>
-                  <a:off x="1157356" y="1619919"/>
-                  <a:ext cx="1297742" cy="307777"/>
-                </a:xfrm>
-                <a:prstGeom prst="rect">
-                  <a:avLst/>
-                </a:prstGeom>
-                <a:blipFill>
-                  <a:blip r:embed="rId5"/>
-                  <a:stretch>
-                    <a:fillRect b="-16667"/>
-                  </a:stretch>
-                </a:blipFill>
-              </p:spPr>
-              <p:txBody>
-                <a:bodyPr/>
-                <a:lstStyle/>
-                <a:p>
-                  <a:r>
-                    <a:rPr lang="en-US">
-                      <a:noFill/>
-                    </a:rPr>
-                    <a:t> </a:t>
-                  </a:r>
-                </a:p>
-              </p:txBody>
-            </p:sp>
-          </mc:Fallback>
-        </mc:AlternateContent>
-        <mc:AlternateContent xmlns:mc="http://schemas.openxmlformats.org/markup-compatibility/2006">
-          <mc:Choice xmlns:a14="http://schemas.microsoft.com/office/drawing/2010/main" Requires="a14">
-            <p:sp>
-              <p:nvSpPr>
-                <p:cNvPr id="20" name="Rectangle 19">
-                  <a:extLst>
-                    <a:ext uri="{FF2B5EF4-FFF2-40B4-BE49-F238E27FC236}">
-                      <a16:creationId xmlns:a16="http://schemas.microsoft.com/office/drawing/2014/main" id="{12CB1305-5800-1AFD-1852-F99FC6760D1F}"/>
-                    </a:ext>
-                  </a:extLst>
-                </p:cNvPr>
-                <p:cNvSpPr/>
-                <p:nvPr/>
-              </p:nvSpPr>
-              <p:spPr>
-                <a:xfrm>
-                  <a:off x="394968" y="1651483"/>
-                  <a:ext cx="571243" cy="307777"/>
-                </a:xfrm>
-                <a:prstGeom prst="rect">
-                  <a:avLst/>
-                </a:prstGeom>
-              </p:spPr>
-              <p:txBody>
-                <a:bodyPr wrap="square">
-                  <a:spAutoFit/>
-                </a:bodyPr>
-                <a:lstStyle/>
-                <a:p>
-                  <a:pPr/>
-                  <a14:m>
-                    <m:oMathPara xmlns:m="http://schemas.openxmlformats.org/officeDocument/2006/math">
-                      <m:oMathParaPr>
-                        <m:jc m:val="centerGroup"/>
-                      </m:oMathParaPr>
-                      <m:oMath xmlns:m="http://schemas.openxmlformats.org/officeDocument/2006/math">
-                        <m:r>
-                          <a:rPr lang="en-US" b="0" i="1" smtClean="0">
-                            <a:solidFill>
-                              <a:schemeClr val="tx1"/>
-                            </a:solidFill>
-                            <a:latin typeface="Cambria Math" panose="02040503050406030204" pitchFamily="18" charset="0"/>
-                          </a:rPr>
-                          <m:t>𝑟</m:t>
-                        </m:r>
-                        <m:d>
-                          <m:dPr>
-                            <m:ctrlPr>
-                              <a:rPr lang="en-US" b="0" i="1" smtClean="0">
-                                <a:solidFill>
-                                  <a:schemeClr val="tx1"/>
-                                </a:solidFill>
-                                <a:latin typeface="Cambria Math" panose="02040503050406030204" pitchFamily="18" charset="0"/>
-                              </a:rPr>
-                            </m:ctrlPr>
-                          </m:dPr>
-                          <m:e>
-                            <m:r>
-                              <a:rPr lang="en-US" b="0" i="1" smtClean="0">
-                                <a:solidFill>
-                                  <a:schemeClr val="tx1"/>
-                                </a:solidFill>
-                                <a:latin typeface="Cambria Math" panose="02040503050406030204" pitchFamily="18" charset="0"/>
-                              </a:rPr>
-                              <m:t>𝑘</m:t>
-                            </m:r>
-                          </m:e>
-                        </m:d>
-                      </m:oMath>
-                    </m:oMathPara>
-                  </a14:m>
-                  <a:endParaRPr lang="en-US" dirty="0">
-                    <a:solidFill>
-                      <a:schemeClr val="tx1"/>
-                    </a:solidFill>
-                  </a:endParaRPr>
-                </a:p>
-              </p:txBody>
-            </p:sp>
-          </mc:Choice>
-          <mc:Fallback>
-            <p:sp>
-              <p:nvSpPr>
-                <p:cNvPr id="20" name="Rectangle 19">
-                  <a:extLst>
-                    <a:ext uri="{FF2B5EF4-FFF2-40B4-BE49-F238E27FC236}">
-                      <a16:creationId xmlns:a16="http://schemas.microsoft.com/office/drawing/2014/main" id="{12CB1305-5800-1AFD-1852-F99FC6760D1F}"/>
-                    </a:ext>
-                  </a:extLst>
-                </p:cNvPr>
-                <p:cNvSpPr>
-                  <a:spLocks noRot="1" noChangeAspect="1" noMove="1" noResize="1" noEditPoints="1" noAdjustHandles="1" noChangeArrowheads="1" noChangeShapeType="1" noTextEdit="1"/>
-                </p:cNvSpPr>
-                <p:nvPr/>
-              </p:nvSpPr>
-              <p:spPr>
-                <a:xfrm>
-                  <a:off x="394968" y="1651483"/>
-                  <a:ext cx="571243" cy="307777"/>
-                </a:xfrm>
-                <a:prstGeom prst="rect">
-                  <a:avLst/>
-                </a:prstGeom>
-                <a:blipFill>
-                  <a:blip r:embed="rId6"/>
-                  <a:stretch>
-                    <a:fillRect/>
-                  </a:stretch>
-                </a:blipFill>
-              </p:spPr>
-              <p:txBody>
-                <a:bodyPr/>
-                <a:lstStyle/>
-                <a:p>
-                  <a:r>
-                    <a:rPr lang="en-US">
-                      <a:noFill/>
-                    </a:rPr>
-                    <a:t> </a:t>
-                  </a:r>
-                </a:p>
-              </p:txBody>
-            </p:sp>
-          </mc:Fallback>
-        </mc:AlternateContent>
-        <mc:AlternateContent xmlns:mc="http://schemas.openxmlformats.org/markup-compatibility/2006">
-          <mc:Choice xmlns:a14="http://schemas.microsoft.com/office/drawing/2010/main" Requires="a14">
-            <p:sp>
-              <p:nvSpPr>
-                <p:cNvPr id="21" name="Rectangle 20">
-                  <a:extLst>
-                    <a:ext uri="{FF2B5EF4-FFF2-40B4-BE49-F238E27FC236}">
-                      <a16:creationId xmlns:a16="http://schemas.microsoft.com/office/drawing/2014/main" id="{433322CC-BF63-627D-6178-8238266D1413}"/>
-                    </a:ext>
-                  </a:extLst>
-                </p:cNvPr>
-                <p:cNvSpPr/>
-                <p:nvPr/>
-              </p:nvSpPr>
-              <p:spPr>
-                <a:xfrm>
-                  <a:off x="3644881" y="1668078"/>
-                  <a:ext cx="571243" cy="307777"/>
-                </a:xfrm>
-                <a:prstGeom prst="rect">
-                  <a:avLst/>
-                </a:prstGeom>
-              </p:spPr>
-              <p:txBody>
-                <a:bodyPr wrap="square">
-                  <a:spAutoFit/>
-                </a:bodyPr>
-                <a:lstStyle/>
-                <a:p>
-                  <a:pPr/>
-                  <a14:m>
-                    <m:oMathPara xmlns:m="http://schemas.openxmlformats.org/officeDocument/2006/math">
-                      <m:oMathParaPr>
-                        <m:jc m:val="centerGroup"/>
-                      </m:oMathParaPr>
-                      <m:oMath xmlns:m="http://schemas.openxmlformats.org/officeDocument/2006/math">
-                        <m:r>
-                          <m:rPr>
-                            <m:sty m:val="p"/>
-                          </m:rPr>
-                          <a:rPr lang="en-US" b="0" i="0" smtClean="0">
-                            <a:solidFill>
-                              <a:schemeClr val="tx1"/>
-                            </a:solidFill>
-                            <a:latin typeface="Cambria Math" panose="02040503050406030204" pitchFamily="18" charset="0"/>
-                          </a:rPr>
-                          <m:t>u</m:t>
-                        </m:r>
-                        <m:d>
-                          <m:dPr>
-                            <m:ctrlPr>
-                              <a:rPr lang="en-US" b="0" i="1" smtClean="0">
-                                <a:solidFill>
-                                  <a:schemeClr val="tx1"/>
-                                </a:solidFill>
-                                <a:latin typeface="Cambria Math" panose="02040503050406030204" pitchFamily="18" charset="0"/>
-                              </a:rPr>
-                            </m:ctrlPr>
-                          </m:dPr>
-                          <m:e>
-                            <m:r>
-                              <a:rPr lang="en-US" b="0" i="1" smtClean="0">
-                                <a:solidFill>
-                                  <a:schemeClr val="tx1"/>
-                                </a:solidFill>
-                                <a:latin typeface="Cambria Math" panose="02040503050406030204" pitchFamily="18" charset="0"/>
-                              </a:rPr>
-                              <m:t>𝑘</m:t>
-                            </m:r>
-                          </m:e>
-                        </m:d>
-                      </m:oMath>
-                    </m:oMathPara>
-                  </a14:m>
-                  <a:endParaRPr lang="en-US" dirty="0">
-                    <a:solidFill>
-                      <a:schemeClr val="tx1"/>
-                    </a:solidFill>
-                  </a:endParaRPr>
-                </a:p>
-              </p:txBody>
-            </p:sp>
-          </mc:Choice>
-          <mc:Fallback>
-            <p:sp>
-              <p:nvSpPr>
-                <p:cNvPr id="21" name="Rectangle 20">
-                  <a:extLst>
-                    <a:ext uri="{FF2B5EF4-FFF2-40B4-BE49-F238E27FC236}">
-                      <a16:creationId xmlns:a16="http://schemas.microsoft.com/office/drawing/2014/main" id="{433322CC-BF63-627D-6178-8238266D1413}"/>
-                    </a:ext>
-                  </a:extLst>
-                </p:cNvPr>
-                <p:cNvSpPr>
-                  <a:spLocks noRot="1" noChangeAspect="1" noMove="1" noResize="1" noEditPoints="1" noAdjustHandles="1" noChangeArrowheads="1" noChangeShapeType="1" noTextEdit="1"/>
-                </p:cNvSpPr>
-                <p:nvPr/>
-              </p:nvSpPr>
-              <p:spPr>
-                <a:xfrm>
-                  <a:off x="3644881" y="1668078"/>
-                  <a:ext cx="571243" cy="307777"/>
-                </a:xfrm>
-                <a:prstGeom prst="rect">
-                  <a:avLst/>
-                </a:prstGeom>
-                <a:blipFill>
-                  <a:blip r:embed="rId7"/>
-                  <a:stretch>
-                    <a:fillRect/>
-                  </a:stretch>
-                </a:blipFill>
-              </p:spPr>
-              <p:txBody>
-                <a:bodyPr/>
-                <a:lstStyle/>
-                <a:p>
-                  <a:r>
-                    <a:rPr lang="en-US">
-                      <a:noFill/>
-                    </a:rPr>
-                    <a:t> </a:t>
-                  </a:r>
-                </a:p>
-              </p:txBody>
-            </p:sp>
-          </mc:Fallback>
-        </mc:AlternateContent>
-        <mc:AlternateContent xmlns:mc="http://schemas.openxmlformats.org/markup-compatibility/2006">
-          <mc:Choice xmlns:a14="http://schemas.microsoft.com/office/drawing/2010/main" Requires="a14">
-            <p:sp>
-              <p:nvSpPr>
-                <p:cNvPr id="22" name="Rectangle 21">
-                  <a:extLst>
-                    <a:ext uri="{FF2B5EF4-FFF2-40B4-BE49-F238E27FC236}">
-                      <a16:creationId xmlns:a16="http://schemas.microsoft.com/office/drawing/2014/main" id="{52878B82-27A5-1D69-C3C0-FF18193680BB}"/>
-                    </a:ext>
-                  </a:extLst>
-                </p:cNvPr>
-                <p:cNvSpPr/>
-                <p:nvPr/>
-              </p:nvSpPr>
-              <p:spPr>
-                <a:xfrm>
-                  <a:off x="5076413" y="1641810"/>
-                  <a:ext cx="571243" cy="307777"/>
-                </a:xfrm>
-                <a:prstGeom prst="rect">
-                  <a:avLst/>
-                </a:prstGeom>
-              </p:spPr>
-              <p:txBody>
-                <a:bodyPr wrap="square">
-                  <a:spAutoFit/>
-                </a:bodyPr>
-                <a:lstStyle/>
-                <a:p>
-                  <a:pPr/>
-                  <a14:m>
-                    <m:oMathPara xmlns:m="http://schemas.openxmlformats.org/officeDocument/2006/math">
-                      <m:oMathParaPr>
-                        <m:jc m:val="centerGroup"/>
-                      </m:oMathParaPr>
-                      <m:oMath xmlns:m="http://schemas.openxmlformats.org/officeDocument/2006/math">
-                        <m:r>
-                          <m:rPr>
-                            <m:sty m:val="p"/>
-                          </m:rPr>
-                          <a:rPr lang="en-US">
-                            <a:solidFill>
-                              <a:schemeClr val="tx1"/>
-                            </a:solidFill>
-                            <a:latin typeface="Cambria Math" panose="02040503050406030204" pitchFamily="18" charset="0"/>
-                          </a:rPr>
-                          <m:t>y</m:t>
-                        </m:r>
-                        <m:d>
-                          <m:dPr>
-                            <m:ctrlPr>
-                              <a:rPr lang="en-US" b="0" i="1" smtClean="0">
-                                <a:solidFill>
-                                  <a:schemeClr val="tx1"/>
-                                </a:solidFill>
-                                <a:latin typeface="Cambria Math" panose="02040503050406030204" pitchFamily="18" charset="0"/>
-                              </a:rPr>
-                            </m:ctrlPr>
-                          </m:dPr>
-                          <m:e>
-                            <m:r>
-                              <a:rPr lang="en-US" b="0" i="1" smtClean="0">
-                                <a:solidFill>
-                                  <a:schemeClr val="tx1"/>
-                                </a:solidFill>
-                                <a:latin typeface="Cambria Math" panose="02040503050406030204" pitchFamily="18" charset="0"/>
-                              </a:rPr>
-                              <m:t>𝑘</m:t>
-                            </m:r>
-                          </m:e>
-                        </m:d>
-                      </m:oMath>
-                    </m:oMathPara>
-                  </a14:m>
-                  <a:endParaRPr lang="en-US" dirty="0">
-                    <a:solidFill>
-                      <a:schemeClr val="tx1"/>
-                    </a:solidFill>
-                  </a:endParaRPr>
-                </a:p>
-              </p:txBody>
-            </p:sp>
-          </mc:Choice>
-          <mc:Fallback>
-            <p:sp>
-              <p:nvSpPr>
-                <p:cNvPr id="22" name="Rectangle 21">
-                  <a:extLst>
-                    <a:ext uri="{FF2B5EF4-FFF2-40B4-BE49-F238E27FC236}">
-                      <a16:creationId xmlns:a16="http://schemas.microsoft.com/office/drawing/2014/main" id="{52878B82-27A5-1D69-C3C0-FF18193680BB}"/>
-                    </a:ext>
-                  </a:extLst>
-                </p:cNvPr>
-                <p:cNvSpPr>
-                  <a:spLocks noRot="1" noChangeAspect="1" noMove="1" noResize="1" noEditPoints="1" noAdjustHandles="1" noChangeArrowheads="1" noChangeShapeType="1" noTextEdit="1"/>
-                </p:cNvSpPr>
-                <p:nvPr/>
-              </p:nvSpPr>
-              <p:spPr>
-                <a:xfrm>
-                  <a:off x="5076413" y="1641810"/>
-                  <a:ext cx="571243" cy="307777"/>
-                </a:xfrm>
-                <a:prstGeom prst="rect">
-                  <a:avLst/>
-                </a:prstGeom>
-                <a:blipFill>
-                  <a:blip r:embed="rId8"/>
-                  <a:stretch>
-                    <a:fillRect b="-8000"/>
-                  </a:stretch>
-                </a:blipFill>
-              </p:spPr>
-              <p:txBody>
-                <a:bodyPr/>
-                <a:lstStyle/>
-                <a:p>
-                  <a:r>
-                    <a:rPr lang="en-US">
-                      <a:noFill/>
-                    </a:rPr>
-                    <a:t> </a:t>
-                  </a:r>
-                </a:p>
-              </p:txBody>
-            </p:sp>
-          </mc:Fallback>
-        </mc:AlternateContent>
-      </p:grpSp>
+              </a:ln>
+            </p:spPr>
+            <p:style>
+              <a:lnRef idx="1">
+                <a:schemeClr val="accent1"/>
+              </a:lnRef>
+              <a:fillRef idx="3">
+                <a:schemeClr val="accent1"/>
+              </a:fillRef>
+              <a:effectRef idx="2">
+                <a:schemeClr val="accent1"/>
+              </a:effectRef>
+              <a:fontRef idx="minor">
+                <a:schemeClr val="lt1"/>
+              </a:fontRef>
+            </p:style>
+            <p:txBody>
+              <a:bodyPr rtlCol="0" anchor="ctr"/>
+              <a:lstStyle/>
+              <a:p>
+                <a:pPr algn="ctr"/>
+                <a14:m>
+                  <m:oMathPara xmlns:m="http://schemas.openxmlformats.org/officeDocument/2006/math">
+                    <m:oMathParaPr>
+                      <m:jc m:val="centerGroup"/>
+                    </m:oMathParaPr>
+                    <m:oMath xmlns:m="http://schemas.openxmlformats.org/officeDocument/2006/math">
+                      <m:r>
+                        <a:rPr lang="en-US" sz="1600" b="0" i="1" smtClean="0">
+                          <a:latin typeface="Cambria Math" panose="02040503050406030204" pitchFamily="18" charset="0"/>
+                        </a:rPr>
+                        <m:t>𝐶𝑜𝑛𝑡𝑟𝑜𝑙𝑙𝑒𝑟</m:t>
+                      </m:r>
+                    </m:oMath>
+                  </m:oMathPara>
+                </a14:m>
+                <a:endParaRPr lang="en-US" sz="1600" dirty="0"/>
+              </a:p>
+            </p:txBody>
+          </p:sp>
+        </mc:Choice>
+        <mc:Fallback>
+          <p:sp>
+            <p:nvSpPr>
+              <p:cNvPr id="11" name="Rectangle 10">
+                <a:extLst>
+                  <a:ext uri="{FF2B5EF4-FFF2-40B4-BE49-F238E27FC236}">
+                    <a16:creationId xmlns:a16="http://schemas.microsoft.com/office/drawing/2014/main" id="{3E2833BB-9605-AB23-2AA1-25B046E71996}"/>
+                  </a:ext>
+                </a:extLst>
+              </p:cNvPr>
+              <p:cNvSpPr>
+                <a:spLocks noRot="1" noChangeAspect="1" noMove="1" noResize="1" noEditPoints="1" noAdjustHandles="1" noChangeArrowheads="1" noChangeShapeType="1" noTextEdit="1"/>
+              </p:cNvSpPr>
+              <p:nvPr/>
+            </p:nvSpPr>
+            <p:spPr>
+              <a:xfrm>
+                <a:off x="3061166" y="1366357"/>
+                <a:ext cx="1148163" cy="613421"/>
+              </a:xfrm>
+              <a:prstGeom prst="rect">
+                <a:avLst/>
+              </a:prstGeom>
+              <a:blipFill>
+                <a:blip r:embed="rId3"/>
+                <a:stretch>
+                  <a:fillRect/>
+                </a:stretch>
+              </a:blipFill>
+              <a:ln>
+                <a:noFill/>
+              </a:ln>
+            </p:spPr>
+            <p:txBody>
+              <a:bodyPr/>
+              <a:lstStyle/>
+              <a:p>
+                <a:r>
+                  <a:rPr lang="en-US">
+                    <a:noFill/>
+                  </a:rPr>
+                  <a:t> </a:t>
+                </a:r>
+              </a:p>
+            </p:txBody>
+          </p:sp>
+        </mc:Fallback>
+      </mc:AlternateContent>
+      <p:cxnSp>
+        <p:nvCxnSpPr>
+          <p:cNvPr id="12" name="Straight Arrow Connector 11">
+            <a:extLst>
+              <a:ext uri="{FF2B5EF4-FFF2-40B4-BE49-F238E27FC236}">
+                <a16:creationId xmlns:a16="http://schemas.microsoft.com/office/drawing/2014/main" id="{B70EEC4A-EAA6-8DDA-48A2-7CDBB01C8507}"/>
+              </a:ext>
+            </a:extLst>
+          </p:cNvPr>
+          <p:cNvCxnSpPr>
+            <a:cxnSpLocks/>
+          </p:cNvCxnSpPr>
+          <p:nvPr/>
+        </p:nvCxnSpPr>
+        <p:spPr>
+          <a:xfrm flipV="1">
+            <a:off x="1385533" y="1671229"/>
+            <a:ext cx="611765" cy="3677"/>
+          </a:xfrm>
+          <a:prstGeom prst="straightConnector1">
+            <a:avLst/>
+          </a:prstGeom>
+          <a:ln>
+            <a:tailEnd type="triangle" w="lg" len="lg"/>
+          </a:ln>
+          <a:effectLst>
+            <a:outerShdw dist="20000" sx="1000" sy="1000" rotWithShape="0">
+              <a:srgbClr val="000000"/>
+            </a:outerShdw>
+          </a:effectLst>
+        </p:spPr>
+        <p:style>
+          <a:lnRef idx="2">
+            <a:schemeClr val="accent1"/>
+          </a:lnRef>
+          <a:fillRef idx="0">
+            <a:schemeClr val="accent1"/>
+          </a:fillRef>
+          <a:effectRef idx="1">
+            <a:schemeClr val="accent1"/>
+          </a:effectRef>
+          <a:fontRef idx="minor">
+            <a:schemeClr val="tx1"/>
+          </a:fontRef>
+        </p:style>
+      </p:cxnSp>
+      <p:sp>
+        <p:nvSpPr>
+          <p:cNvPr id="13" name="Oval 12">
+            <a:extLst>
+              <a:ext uri="{FF2B5EF4-FFF2-40B4-BE49-F238E27FC236}">
+                <a16:creationId xmlns:a16="http://schemas.microsoft.com/office/drawing/2014/main" id="{8DBE93A7-9627-48DC-E332-B7A740909066}"/>
+              </a:ext>
+            </a:extLst>
+          </p:cNvPr>
+          <p:cNvSpPr/>
+          <p:nvPr/>
+        </p:nvSpPr>
+        <p:spPr>
+          <a:xfrm>
+            <a:off x="2015525" y="1527265"/>
+            <a:ext cx="286334" cy="291606"/>
+          </a:xfrm>
+          <a:prstGeom prst="ellipse">
+            <a:avLst/>
+          </a:prstGeom>
+        </p:spPr>
+        <p:style>
+          <a:lnRef idx="1">
+            <a:schemeClr val="accent1"/>
+          </a:lnRef>
+          <a:fillRef idx="3">
+            <a:schemeClr val="accent1"/>
+          </a:fillRef>
+          <a:effectRef idx="2">
+            <a:schemeClr val="accent1"/>
+          </a:effectRef>
+          <a:fontRef idx="minor">
+            <a:schemeClr val="lt1"/>
+          </a:fontRef>
+        </p:style>
+        <p:txBody>
+          <a:bodyPr rtlCol="0" anchor="ctr"/>
+          <a:lstStyle/>
+          <a:p>
+            <a:pPr algn="ctr"/>
+            <a:r>
+              <a:rPr lang="en-US" dirty="0"/>
+              <a:t>+</a:t>
+            </a:r>
+          </a:p>
+        </p:txBody>
+      </p:sp>
+      <p:cxnSp>
+        <p:nvCxnSpPr>
+          <p:cNvPr id="14" name="Elbow Connector 13">
+            <a:extLst>
+              <a:ext uri="{FF2B5EF4-FFF2-40B4-BE49-F238E27FC236}">
+                <a16:creationId xmlns:a16="http://schemas.microsoft.com/office/drawing/2014/main" id="{EB8F0270-1BE3-20E4-52C3-B29AD8923090}"/>
+              </a:ext>
+            </a:extLst>
+          </p:cNvPr>
+          <p:cNvCxnSpPr>
+            <a:cxnSpLocks/>
+            <a:stCxn id="17" idx="4"/>
+            <a:endCxn id="3" idx="3"/>
+          </p:cNvCxnSpPr>
+          <p:nvPr/>
+        </p:nvCxnSpPr>
+        <p:spPr>
+          <a:xfrm rot="5400000">
+            <a:off x="4945946" y="1078804"/>
+            <a:ext cx="839251" cy="2299076"/>
+          </a:xfrm>
+          <a:prstGeom prst="bentConnector2">
+            <a:avLst/>
+          </a:prstGeom>
+          <a:ln w="19050">
+            <a:tailEnd type="triangle" w="lg" len="lg"/>
+          </a:ln>
+          <a:effectLst>
+            <a:outerShdw dist="20000" sx="1000" sy="1000" rotWithShape="0">
+              <a:srgbClr val="000000"/>
+            </a:outerShdw>
+          </a:effectLst>
+        </p:spPr>
+        <p:style>
+          <a:lnRef idx="2">
+            <a:schemeClr val="accent1"/>
+          </a:lnRef>
+          <a:fillRef idx="0">
+            <a:schemeClr val="accent1"/>
+          </a:fillRef>
+          <a:effectRef idx="1">
+            <a:schemeClr val="accent1"/>
+          </a:effectRef>
+          <a:fontRef idx="minor">
+            <a:schemeClr val="tx1"/>
+          </a:fontRef>
+        </p:style>
+      </p:cxnSp>
+      <p:cxnSp>
+        <p:nvCxnSpPr>
+          <p:cNvPr id="15" name="Straight Arrow Connector 14">
+            <a:extLst>
+              <a:ext uri="{FF2B5EF4-FFF2-40B4-BE49-F238E27FC236}">
+                <a16:creationId xmlns:a16="http://schemas.microsoft.com/office/drawing/2014/main" id="{65FC3EC6-A453-E328-CE7F-B20C9D4AFF6A}"/>
+              </a:ext>
+            </a:extLst>
+          </p:cNvPr>
+          <p:cNvCxnSpPr>
+            <a:cxnSpLocks/>
+          </p:cNvCxnSpPr>
+          <p:nvPr/>
+        </p:nvCxnSpPr>
+        <p:spPr>
+          <a:xfrm>
+            <a:off x="2301860" y="1669563"/>
+            <a:ext cx="759306" cy="7011"/>
+          </a:xfrm>
+          <a:prstGeom prst="straightConnector1">
+            <a:avLst/>
+          </a:prstGeom>
+          <a:ln>
+            <a:tailEnd type="triangle" w="lg" len="lg"/>
+          </a:ln>
+          <a:effectLst>
+            <a:outerShdw dist="20000" sx="1000" sy="1000" rotWithShape="0">
+              <a:srgbClr val="000000"/>
+            </a:outerShdw>
+          </a:effectLst>
+        </p:spPr>
+        <p:style>
+          <a:lnRef idx="2">
+            <a:schemeClr val="accent1"/>
+          </a:lnRef>
+          <a:fillRef idx="0">
+            <a:schemeClr val="accent1"/>
+          </a:fillRef>
+          <a:effectRef idx="1">
+            <a:schemeClr val="accent1"/>
+          </a:effectRef>
+          <a:fontRef idx="minor">
+            <a:schemeClr val="tx1"/>
+          </a:fontRef>
+        </p:style>
+      </p:cxnSp>
+      <mc:AlternateContent xmlns:mc="http://schemas.openxmlformats.org/markup-compatibility/2006">
+        <mc:Choice xmlns:a14="http://schemas.microsoft.com/office/drawing/2010/main" Requires="a14">
+          <p:sp>
+            <p:nvSpPr>
+              <p:cNvPr id="16" name="TextBox 15">
+                <a:extLst>
+                  <a:ext uri="{FF2B5EF4-FFF2-40B4-BE49-F238E27FC236}">
+                    <a16:creationId xmlns:a16="http://schemas.microsoft.com/office/drawing/2014/main" id="{2F6C3D04-D81D-7656-993F-B13C0BB2D83B}"/>
+                  </a:ext>
+                </a:extLst>
+              </p:cNvPr>
+              <p:cNvSpPr txBox="1"/>
+              <p:nvPr/>
+            </p:nvSpPr>
+            <p:spPr>
+              <a:xfrm>
+                <a:off x="1904926" y="1977609"/>
+                <a:ext cx="225056" cy="267607"/>
+              </a:xfrm>
+              <a:prstGeom prst="rect">
+                <a:avLst/>
+              </a:prstGeom>
+              <a:noFill/>
+            </p:spPr>
+            <p:txBody>
+              <a:bodyPr wrap="none" lIns="0" tIns="0" rIns="0" bIns="0" rtlCol="0">
+                <a:spAutoFit/>
+              </a:bodyPr>
+              <a:lstStyle/>
+              <a:p>
+                <a:pPr/>
+                <a14:m>
+                  <m:oMathPara xmlns:m="http://schemas.openxmlformats.org/officeDocument/2006/math">
+                    <m:oMathParaPr>
+                      <m:jc m:val="centerGroup"/>
+                    </m:oMathParaPr>
+                    <m:oMath xmlns:m="http://schemas.openxmlformats.org/officeDocument/2006/math">
+                      <m:r>
+                        <a:rPr lang="en-US" b="0" i="1" smtClean="0">
+                          <a:latin typeface="Cambria Math" panose="02040503050406030204" pitchFamily="18" charset="0"/>
+                        </a:rPr>
+                        <m:t>−</m:t>
+                      </m:r>
+                    </m:oMath>
+                  </m:oMathPara>
+                </a14:m>
+                <a:endParaRPr lang="en-US" dirty="0"/>
+              </a:p>
+            </p:txBody>
+          </p:sp>
+        </mc:Choice>
+        <mc:Fallback>
+          <p:sp>
+            <p:nvSpPr>
+              <p:cNvPr id="16" name="TextBox 15">
+                <a:extLst>
+                  <a:ext uri="{FF2B5EF4-FFF2-40B4-BE49-F238E27FC236}">
+                    <a16:creationId xmlns:a16="http://schemas.microsoft.com/office/drawing/2014/main" id="{2F6C3D04-D81D-7656-993F-B13C0BB2D83B}"/>
+                  </a:ext>
+                </a:extLst>
+              </p:cNvPr>
+              <p:cNvSpPr txBox="1">
+                <a:spLocks noRot="1" noChangeAspect="1" noMove="1" noResize="1" noEditPoints="1" noAdjustHandles="1" noChangeArrowheads="1" noChangeShapeType="1" noTextEdit="1"/>
+              </p:cNvSpPr>
+              <p:nvPr/>
+            </p:nvSpPr>
+            <p:spPr>
+              <a:xfrm>
+                <a:off x="1904926" y="1977609"/>
+                <a:ext cx="225056" cy="267607"/>
+              </a:xfrm>
+              <a:prstGeom prst="rect">
+                <a:avLst/>
+              </a:prstGeom>
+              <a:blipFill>
+                <a:blip r:embed="rId4"/>
+                <a:stretch>
+                  <a:fillRect/>
+                </a:stretch>
+              </a:blipFill>
+            </p:spPr>
+            <p:txBody>
+              <a:bodyPr/>
+              <a:lstStyle/>
+              <a:p>
+                <a:r>
+                  <a:rPr lang="en-US">
+                    <a:noFill/>
+                  </a:rPr>
+                  <a:t> </a:t>
+                </a:r>
+              </a:p>
+            </p:txBody>
+          </p:sp>
+        </mc:Fallback>
+      </mc:AlternateContent>
+      <p:sp>
+        <p:nvSpPr>
+          <p:cNvPr id="17" name="Oval 16">
+            <a:extLst>
+              <a:ext uri="{FF2B5EF4-FFF2-40B4-BE49-F238E27FC236}">
+                <a16:creationId xmlns:a16="http://schemas.microsoft.com/office/drawing/2014/main" id="{B8A7A63E-30BD-82E4-1001-7BE13AE2E492}"/>
+              </a:ext>
+            </a:extLst>
+          </p:cNvPr>
+          <p:cNvSpPr/>
+          <p:nvPr/>
+        </p:nvSpPr>
+        <p:spPr>
+          <a:xfrm>
+            <a:off x="6371942" y="1517111"/>
+            <a:ext cx="286334" cy="291606"/>
+          </a:xfrm>
+          <a:prstGeom prst="ellipse">
+            <a:avLst/>
+          </a:prstGeom>
+        </p:spPr>
+        <p:style>
+          <a:lnRef idx="1">
+            <a:schemeClr val="accent1"/>
+          </a:lnRef>
+          <a:fillRef idx="3">
+            <a:schemeClr val="accent1"/>
+          </a:fillRef>
+          <a:effectRef idx="2">
+            <a:schemeClr val="accent1"/>
+          </a:effectRef>
+          <a:fontRef idx="minor">
+            <a:schemeClr val="lt1"/>
+          </a:fontRef>
+        </p:style>
+        <p:txBody>
+          <a:bodyPr rtlCol="0" anchor="ctr"/>
+          <a:lstStyle/>
+          <a:p>
+            <a:pPr algn="ctr"/>
+            <a:endParaRPr lang="en-US" dirty="0"/>
+          </a:p>
+        </p:txBody>
+      </p:sp>
+      <p:cxnSp>
+        <p:nvCxnSpPr>
+          <p:cNvPr id="18" name="Straight Arrow Connector 17">
+            <a:extLst>
+              <a:ext uri="{FF2B5EF4-FFF2-40B4-BE49-F238E27FC236}">
+                <a16:creationId xmlns:a16="http://schemas.microsoft.com/office/drawing/2014/main" id="{9ABA6621-F5BC-E1F4-EA71-1BE76064F093}"/>
+              </a:ext>
+            </a:extLst>
+          </p:cNvPr>
+          <p:cNvCxnSpPr>
+            <a:cxnSpLocks/>
+            <a:stCxn id="17" idx="6"/>
+          </p:cNvCxnSpPr>
+          <p:nvPr/>
+        </p:nvCxnSpPr>
+        <p:spPr>
+          <a:xfrm flipV="1">
+            <a:off x="6658276" y="1654407"/>
+            <a:ext cx="856620" cy="8507"/>
+          </a:xfrm>
+          <a:prstGeom prst="straightConnector1">
+            <a:avLst/>
+          </a:prstGeom>
+          <a:ln>
+            <a:tailEnd type="triangle" w="lg" len="lg"/>
+          </a:ln>
+          <a:effectLst>
+            <a:outerShdw dist="20000" sx="1000" sy="1000" rotWithShape="0">
+              <a:srgbClr val="000000"/>
+            </a:outerShdw>
+          </a:effectLst>
+        </p:spPr>
+        <p:style>
+          <a:lnRef idx="2">
+            <a:schemeClr val="accent1"/>
+          </a:lnRef>
+          <a:fillRef idx="0">
+            <a:schemeClr val="accent1"/>
+          </a:fillRef>
+          <a:effectRef idx="1">
+            <a:schemeClr val="accent1"/>
+          </a:effectRef>
+          <a:fontRef idx="minor">
+            <a:schemeClr val="tx1"/>
+          </a:fontRef>
+        </p:style>
+      </p:cxnSp>
+      <mc:AlternateContent xmlns:mc="http://schemas.openxmlformats.org/markup-compatibility/2006">
+        <mc:Choice xmlns:a14="http://schemas.microsoft.com/office/drawing/2010/main" Requires="a14">
+          <p:sp>
+            <p:nvSpPr>
+              <p:cNvPr id="19" name="Rectangle 18">
+                <a:extLst>
+                  <a:ext uri="{FF2B5EF4-FFF2-40B4-BE49-F238E27FC236}">
+                    <a16:creationId xmlns:a16="http://schemas.microsoft.com/office/drawing/2014/main" id="{53BCDD1F-032C-EC03-DB95-6195A5933AAF}"/>
+                  </a:ext>
+                </a:extLst>
+              </p:cNvPr>
+              <p:cNvSpPr/>
+              <p:nvPr/>
+            </p:nvSpPr>
+            <p:spPr>
+              <a:xfrm>
+                <a:off x="1980038" y="1182414"/>
+                <a:ext cx="1231072" cy="297341"/>
+              </a:xfrm>
+              <a:prstGeom prst="rect">
+                <a:avLst/>
+              </a:prstGeom>
+            </p:spPr>
+            <p:txBody>
+              <a:bodyPr wrap="square">
+                <a:spAutoFit/>
+              </a:bodyPr>
+              <a:lstStyle/>
+              <a:p>
+                <a:pPr/>
+                <a14:m>
+                  <m:oMathPara xmlns:m="http://schemas.openxmlformats.org/officeDocument/2006/math">
+                    <m:oMathParaPr>
+                      <m:jc m:val="centerGroup"/>
+                    </m:oMathParaPr>
+                    <m:oMath xmlns:m="http://schemas.openxmlformats.org/officeDocument/2006/math">
+                      <m:r>
+                        <a:rPr lang="en-US" b="0" i="1" smtClean="0">
+                          <a:solidFill>
+                            <a:schemeClr val="tx1"/>
+                          </a:solidFill>
+                          <a:latin typeface="Cambria Math" panose="02040503050406030204" pitchFamily="18" charset="0"/>
+                        </a:rPr>
+                        <m:t>𝑟</m:t>
+                      </m:r>
+                      <m:d>
+                        <m:dPr>
+                          <m:ctrlPr>
+                            <a:rPr lang="en-US" b="0" i="1" smtClean="0">
+                              <a:solidFill>
+                                <a:schemeClr val="tx1"/>
+                              </a:solidFill>
+                              <a:latin typeface="Cambria Math" panose="02040503050406030204" pitchFamily="18" charset="0"/>
+                            </a:rPr>
+                          </m:ctrlPr>
+                        </m:dPr>
+                        <m:e>
+                          <m:r>
+                            <a:rPr lang="en-US" b="0" i="1" smtClean="0">
+                              <a:solidFill>
+                                <a:schemeClr val="tx1"/>
+                              </a:solidFill>
+                              <a:latin typeface="Cambria Math" panose="02040503050406030204" pitchFamily="18" charset="0"/>
+                            </a:rPr>
+                            <m:t>𝑘</m:t>
+                          </m:r>
+                        </m:e>
+                      </m:d>
+                      <m:r>
+                        <a:rPr lang="en-US" b="0" i="1" smtClean="0">
+                          <a:solidFill>
+                            <a:schemeClr val="tx1"/>
+                          </a:solidFill>
+                          <a:latin typeface="Cambria Math" panose="02040503050406030204" pitchFamily="18" charset="0"/>
+                        </a:rPr>
+                        <m:t>−</m:t>
+                      </m:r>
+                      <m:r>
+                        <a:rPr lang="en-US" b="0" i="1" smtClean="0">
+                          <a:solidFill>
+                            <a:schemeClr val="tx1"/>
+                          </a:solidFill>
+                          <a:latin typeface="Cambria Math" panose="02040503050406030204" pitchFamily="18" charset="0"/>
+                        </a:rPr>
+                        <m:t>𝑦</m:t>
+                      </m:r>
+                      <m:r>
+                        <a:rPr lang="en-US" b="0" i="1" smtClean="0">
+                          <a:solidFill>
+                            <a:schemeClr val="tx1"/>
+                          </a:solidFill>
+                          <a:latin typeface="Cambria Math" panose="02040503050406030204" pitchFamily="18" charset="0"/>
+                        </a:rPr>
+                        <m:t>(</m:t>
+                      </m:r>
+                      <m:r>
+                        <a:rPr lang="en-US" b="0" i="1" smtClean="0">
+                          <a:solidFill>
+                            <a:schemeClr val="tx1"/>
+                          </a:solidFill>
+                          <a:latin typeface="Cambria Math" panose="02040503050406030204" pitchFamily="18" charset="0"/>
+                        </a:rPr>
+                        <m:t>𝑘</m:t>
+                      </m:r>
+                      <m:r>
+                        <a:rPr lang="en-US" b="0" i="1" smtClean="0">
+                          <a:solidFill>
+                            <a:schemeClr val="tx1"/>
+                          </a:solidFill>
+                          <a:latin typeface="Cambria Math" panose="02040503050406030204" pitchFamily="18" charset="0"/>
+                        </a:rPr>
+                        <m:t>)</m:t>
+                      </m:r>
+                    </m:oMath>
+                  </m:oMathPara>
+                </a14:m>
+                <a:endParaRPr lang="en-US" dirty="0">
+                  <a:solidFill>
+                    <a:schemeClr val="tx1"/>
+                  </a:solidFill>
+                </a:endParaRPr>
+              </a:p>
+            </p:txBody>
+          </p:sp>
+        </mc:Choice>
+        <mc:Fallback>
+          <p:sp>
+            <p:nvSpPr>
+              <p:cNvPr id="19" name="Rectangle 18">
+                <a:extLst>
+                  <a:ext uri="{FF2B5EF4-FFF2-40B4-BE49-F238E27FC236}">
+                    <a16:creationId xmlns:a16="http://schemas.microsoft.com/office/drawing/2014/main" id="{53BCDD1F-032C-EC03-DB95-6195A5933AAF}"/>
+                  </a:ext>
+                </a:extLst>
+              </p:cNvPr>
+              <p:cNvSpPr>
+                <a:spLocks noRot="1" noChangeAspect="1" noMove="1" noResize="1" noEditPoints="1" noAdjustHandles="1" noChangeArrowheads="1" noChangeShapeType="1" noTextEdit="1"/>
+              </p:cNvSpPr>
+              <p:nvPr/>
+            </p:nvSpPr>
+            <p:spPr>
+              <a:xfrm>
+                <a:off x="1980038" y="1182414"/>
+                <a:ext cx="1231072" cy="297341"/>
+              </a:xfrm>
+              <a:prstGeom prst="rect">
+                <a:avLst/>
+              </a:prstGeom>
+              <a:blipFill>
+                <a:blip r:embed="rId5"/>
+                <a:stretch>
+                  <a:fillRect b="-16667"/>
+                </a:stretch>
+              </a:blipFill>
+            </p:spPr>
+            <p:txBody>
+              <a:bodyPr/>
+              <a:lstStyle/>
+              <a:p>
+                <a:r>
+                  <a:rPr lang="en-US">
+                    <a:noFill/>
+                  </a:rPr>
+                  <a:t> </a:t>
+                </a:r>
+              </a:p>
+            </p:txBody>
+          </p:sp>
+        </mc:Fallback>
+      </mc:AlternateContent>
+      <mc:AlternateContent xmlns:mc="http://schemas.openxmlformats.org/markup-compatibility/2006">
+        <mc:Choice xmlns:a14="http://schemas.microsoft.com/office/drawing/2010/main" Requires="a14">
+          <p:sp>
+            <p:nvSpPr>
+              <p:cNvPr id="20" name="Rectangle 19">
+                <a:extLst>
+                  <a:ext uri="{FF2B5EF4-FFF2-40B4-BE49-F238E27FC236}">
+                    <a16:creationId xmlns:a16="http://schemas.microsoft.com/office/drawing/2014/main" id="{12CB1305-5800-1AFD-1852-F99FC6760D1F}"/>
+                  </a:ext>
+                </a:extLst>
+              </p:cNvPr>
+              <p:cNvSpPr/>
+              <p:nvPr/>
+            </p:nvSpPr>
+            <p:spPr>
+              <a:xfrm>
+                <a:off x="1256817" y="1212908"/>
+                <a:ext cx="541896" cy="297341"/>
+              </a:xfrm>
+              <a:prstGeom prst="rect">
+                <a:avLst/>
+              </a:prstGeom>
+            </p:spPr>
+            <p:txBody>
+              <a:bodyPr wrap="square">
+                <a:spAutoFit/>
+              </a:bodyPr>
+              <a:lstStyle/>
+              <a:p>
+                <a:pPr/>
+                <a14:m>
+                  <m:oMathPara xmlns:m="http://schemas.openxmlformats.org/officeDocument/2006/math">
+                    <m:oMathParaPr>
+                      <m:jc m:val="centerGroup"/>
+                    </m:oMathParaPr>
+                    <m:oMath xmlns:m="http://schemas.openxmlformats.org/officeDocument/2006/math">
+                      <m:r>
+                        <a:rPr lang="en-US" b="0" i="1" smtClean="0">
+                          <a:solidFill>
+                            <a:schemeClr val="tx1"/>
+                          </a:solidFill>
+                          <a:latin typeface="Cambria Math" panose="02040503050406030204" pitchFamily="18" charset="0"/>
+                        </a:rPr>
+                        <m:t>𝑟</m:t>
+                      </m:r>
+                      <m:d>
+                        <m:dPr>
+                          <m:ctrlPr>
+                            <a:rPr lang="en-US" b="0" i="1" smtClean="0">
+                              <a:solidFill>
+                                <a:schemeClr val="tx1"/>
+                              </a:solidFill>
+                              <a:latin typeface="Cambria Math" panose="02040503050406030204" pitchFamily="18" charset="0"/>
+                            </a:rPr>
+                          </m:ctrlPr>
+                        </m:dPr>
+                        <m:e>
+                          <m:r>
+                            <a:rPr lang="en-US" b="0" i="1" smtClean="0">
+                              <a:solidFill>
+                                <a:schemeClr val="tx1"/>
+                              </a:solidFill>
+                              <a:latin typeface="Cambria Math" panose="02040503050406030204" pitchFamily="18" charset="0"/>
+                            </a:rPr>
+                            <m:t>𝑘</m:t>
+                          </m:r>
+                        </m:e>
+                      </m:d>
+                    </m:oMath>
+                  </m:oMathPara>
+                </a14:m>
+                <a:endParaRPr lang="en-US" dirty="0">
+                  <a:solidFill>
+                    <a:schemeClr val="tx1"/>
+                  </a:solidFill>
+                </a:endParaRPr>
+              </a:p>
+            </p:txBody>
+          </p:sp>
+        </mc:Choice>
+        <mc:Fallback>
+          <p:sp>
+            <p:nvSpPr>
+              <p:cNvPr id="20" name="Rectangle 19">
+                <a:extLst>
+                  <a:ext uri="{FF2B5EF4-FFF2-40B4-BE49-F238E27FC236}">
+                    <a16:creationId xmlns:a16="http://schemas.microsoft.com/office/drawing/2014/main" id="{12CB1305-5800-1AFD-1852-F99FC6760D1F}"/>
+                  </a:ext>
+                </a:extLst>
+              </p:cNvPr>
+              <p:cNvSpPr>
+                <a:spLocks noRot="1" noChangeAspect="1" noMove="1" noResize="1" noEditPoints="1" noAdjustHandles="1" noChangeArrowheads="1" noChangeShapeType="1" noTextEdit="1"/>
+              </p:cNvSpPr>
+              <p:nvPr/>
+            </p:nvSpPr>
+            <p:spPr>
+              <a:xfrm>
+                <a:off x="1256817" y="1212908"/>
+                <a:ext cx="541896" cy="297341"/>
+              </a:xfrm>
+              <a:prstGeom prst="rect">
+                <a:avLst/>
+              </a:prstGeom>
+              <a:blipFill>
+                <a:blip r:embed="rId6"/>
+                <a:stretch>
+                  <a:fillRect/>
+                </a:stretch>
+              </a:blipFill>
+            </p:spPr>
+            <p:txBody>
+              <a:bodyPr/>
+              <a:lstStyle/>
+              <a:p>
+                <a:r>
+                  <a:rPr lang="en-US">
+                    <a:noFill/>
+                  </a:rPr>
+                  <a:t> </a:t>
+                </a:r>
+              </a:p>
+            </p:txBody>
+          </p:sp>
+        </mc:Fallback>
+      </mc:AlternateContent>
+      <mc:AlternateContent xmlns:mc="http://schemas.openxmlformats.org/markup-compatibility/2006">
+        <mc:Choice xmlns:a14="http://schemas.microsoft.com/office/drawing/2010/main" Requires="a14">
+          <p:sp>
+            <p:nvSpPr>
+              <p:cNvPr id="21" name="Rectangle 20">
+                <a:extLst>
+                  <a:ext uri="{FF2B5EF4-FFF2-40B4-BE49-F238E27FC236}">
+                    <a16:creationId xmlns:a16="http://schemas.microsoft.com/office/drawing/2014/main" id="{433322CC-BF63-627D-6178-8238266D1413}"/>
+                  </a:ext>
+                </a:extLst>
+              </p:cNvPr>
+              <p:cNvSpPr/>
+              <p:nvPr/>
+            </p:nvSpPr>
+            <p:spPr>
+              <a:xfrm>
+                <a:off x="4287219" y="1176390"/>
+                <a:ext cx="541896" cy="297341"/>
+              </a:xfrm>
+              <a:prstGeom prst="rect">
+                <a:avLst/>
+              </a:prstGeom>
+            </p:spPr>
+            <p:txBody>
+              <a:bodyPr wrap="square">
+                <a:spAutoFit/>
+              </a:bodyPr>
+              <a:lstStyle/>
+              <a:p>
+                <a:pPr/>
+                <a14:m>
+                  <m:oMathPara xmlns:m="http://schemas.openxmlformats.org/officeDocument/2006/math">
+                    <m:oMathParaPr>
+                      <m:jc m:val="centerGroup"/>
+                    </m:oMathParaPr>
+                    <m:oMath xmlns:m="http://schemas.openxmlformats.org/officeDocument/2006/math">
+                      <m:r>
+                        <m:rPr>
+                          <m:sty m:val="p"/>
+                        </m:rPr>
+                        <a:rPr lang="en-US" b="0" i="0" smtClean="0">
+                          <a:solidFill>
+                            <a:schemeClr val="tx1"/>
+                          </a:solidFill>
+                          <a:latin typeface="Cambria Math" panose="02040503050406030204" pitchFamily="18" charset="0"/>
+                        </a:rPr>
+                        <m:t>u</m:t>
+                      </m:r>
+                      <m:d>
+                        <m:dPr>
+                          <m:ctrlPr>
+                            <a:rPr lang="en-US" b="0" i="1" smtClean="0">
+                              <a:solidFill>
+                                <a:schemeClr val="tx1"/>
+                              </a:solidFill>
+                              <a:latin typeface="Cambria Math" panose="02040503050406030204" pitchFamily="18" charset="0"/>
+                            </a:rPr>
+                          </m:ctrlPr>
+                        </m:dPr>
+                        <m:e>
+                          <m:r>
+                            <a:rPr lang="en-US" b="0" i="1" smtClean="0">
+                              <a:solidFill>
+                                <a:schemeClr val="tx1"/>
+                              </a:solidFill>
+                              <a:latin typeface="Cambria Math" panose="02040503050406030204" pitchFamily="18" charset="0"/>
+                            </a:rPr>
+                            <m:t>𝑘</m:t>
+                          </m:r>
+                        </m:e>
+                      </m:d>
+                    </m:oMath>
+                  </m:oMathPara>
+                </a14:m>
+                <a:endParaRPr lang="en-US" dirty="0">
+                  <a:solidFill>
+                    <a:schemeClr val="tx1"/>
+                  </a:solidFill>
+                </a:endParaRPr>
+              </a:p>
+            </p:txBody>
+          </p:sp>
+        </mc:Choice>
+        <mc:Fallback>
+          <p:sp>
+            <p:nvSpPr>
+              <p:cNvPr id="21" name="Rectangle 20">
+                <a:extLst>
+                  <a:ext uri="{FF2B5EF4-FFF2-40B4-BE49-F238E27FC236}">
+                    <a16:creationId xmlns:a16="http://schemas.microsoft.com/office/drawing/2014/main" id="{433322CC-BF63-627D-6178-8238266D1413}"/>
+                  </a:ext>
+                </a:extLst>
+              </p:cNvPr>
+              <p:cNvSpPr>
+                <a:spLocks noRot="1" noChangeAspect="1" noMove="1" noResize="1" noEditPoints="1" noAdjustHandles="1" noChangeArrowheads="1" noChangeShapeType="1" noTextEdit="1"/>
+              </p:cNvSpPr>
+              <p:nvPr/>
+            </p:nvSpPr>
+            <p:spPr>
+              <a:xfrm>
+                <a:off x="4287219" y="1176390"/>
+                <a:ext cx="541896" cy="297341"/>
+              </a:xfrm>
+              <a:prstGeom prst="rect">
+                <a:avLst/>
+              </a:prstGeom>
+              <a:blipFill>
+                <a:blip r:embed="rId7"/>
+                <a:stretch>
+                  <a:fillRect/>
+                </a:stretch>
+              </a:blipFill>
+            </p:spPr>
+            <p:txBody>
+              <a:bodyPr/>
+              <a:lstStyle/>
+              <a:p>
+                <a:r>
+                  <a:rPr lang="en-US">
+                    <a:noFill/>
+                  </a:rPr>
+                  <a:t> </a:t>
+                </a:r>
+              </a:p>
+            </p:txBody>
+          </p:sp>
+        </mc:Fallback>
+      </mc:AlternateContent>
+      <mc:AlternateContent xmlns:mc="http://schemas.openxmlformats.org/markup-compatibility/2006">
+        <mc:Choice xmlns:a14="http://schemas.microsoft.com/office/drawing/2010/main" Requires="a14">
+          <p:sp>
+            <p:nvSpPr>
+              <p:cNvPr id="22" name="Rectangle 21">
+                <a:extLst>
+                  <a:ext uri="{FF2B5EF4-FFF2-40B4-BE49-F238E27FC236}">
+                    <a16:creationId xmlns:a16="http://schemas.microsoft.com/office/drawing/2014/main" id="{52878B82-27A5-1D69-C3C0-FF18193680BB}"/>
+                  </a:ext>
+                </a:extLst>
+              </p:cNvPr>
+              <p:cNvSpPr/>
+              <p:nvPr/>
+            </p:nvSpPr>
+            <p:spPr>
+              <a:xfrm>
+                <a:off x="5939495" y="1203563"/>
+                <a:ext cx="541896" cy="297341"/>
+              </a:xfrm>
+              <a:prstGeom prst="rect">
+                <a:avLst/>
+              </a:prstGeom>
+            </p:spPr>
+            <p:txBody>
+              <a:bodyPr wrap="square">
+                <a:spAutoFit/>
+              </a:bodyPr>
+              <a:lstStyle/>
+              <a:p>
+                <a:pPr/>
+                <a14:m>
+                  <m:oMathPara xmlns:m="http://schemas.openxmlformats.org/officeDocument/2006/math">
+                    <m:oMathParaPr>
+                      <m:jc m:val="centerGroup"/>
+                    </m:oMathParaPr>
+                    <m:oMath xmlns:m="http://schemas.openxmlformats.org/officeDocument/2006/math">
+                      <m:r>
+                        <m:rPr>
+                          <m:sty m:val="p"/>
+                        </m:rPr>
+                        <a:rPr lang="en-US">
+                          <a:solidFill>
+                            <a:schemeClr val="tx1"/>
+                          </a:solidFill>
+                          <a:latin typeface="Cambria Math" panose="02040503050406030204" pitchFamily="18" charset="0"/>
+                        </a:rPr>
+                        <m:t>y</m:t>
+                      </m:r>
+                      <m:d>
+                        <m:dPr>
+                          <m:ctrlPr>
+                            <a:rPr lang="en-US" b="0" i="1" smtClean="0">
+                              <a:solidFill>
+                                <a:schemeClr val="tx1"/>
+                              </a:solidFill>
+                              <a:latin typeface="Cambria Math" panose="02040503050406030204" pitchFamily="18" charset="0"/>
+                            </a:rPr>
+                          </m:ctrlPr>
+                        </m:dPr>
+                        <m:e>
+                          <m:r>
+                            <a:rPr lang="en-US" b="0" i="1" smtClean="0">
+                              <a:solidFill>
+                                <a:schemeClr val="tx1"/>
+                              </a:solidFill>
+                              <a:latin typeface="Cambria Math" panose="02040503050406030204" pitchFamily="18" charset="0"/>
+                            </a:rPr>
+                            <m:t>𝑘</m:t>
+                          </m:r>
+                        </m:e>
+                      </m:d>
+                    </m:oMath>
+                  </m:oMathPara>
+                </a14:m>
+                <a:endParaRPr lang="en-US" dirty="0">
+                  <a:solidFill>
+                    <a:schemeClr val="tx1"/>
+                  </a:solidFill>
+                </a:endParaRPr>
+              </a:p>
+            </p:txBody>
+          </p:sp>
+        </mc:Choice>
+        <mc:Fallback>
+          <p:sp>
+            <p:nvSpPr>
+              <p:cNvPr id="22" name="Rectangle 21">
+                <a:extLst>
+                  <a:ext uri="{FF2B5EF4-FFF2-40B4-BE49-F238E27FC236}">
+                    <a16:creationId xmlns:a16="http://schemas.microsoft.com/office/drawing/2014/main" id="{52878B82-27A5-1D69-C3C0-FF18193680BB}"/>
+                  </a:ext>
+                </a:extLst>
+              </p:cNvPr>
+              <p:cNvSpPr>
+                <a:spLocks noRot="1" noChangeAspect="1" noMove="1" noResize="1" noEditPoints="1" noAdjustHandles="1" noChangeArrowheads="1" noChangeShapeType="1" noTextEdit="1"/>
+              </p:cNvSpPr>
+              <p:nvPr/>
+            </p:nvSpPr>
+            <p:spPr>
+              <a:xfrm>
+                <a:off x="5939495" y="1203563"/>
+                <a:ext cx="541896" cy="297341"/>
+              </a:xfrm>
+              <a:prstGeom prst="rect">
+                <a:avLst/>
+              </a:prstGeom>
+              <a:blipFill>
+                <a:blip r:embed="rId8"/>
+                <a:stretch>
+                  <a:fillRect b="-8000"/>
+                </a:stretch>
+              </a:blipFill>
+            </p:spPr>
+            <p:txBody>
+              <a:bodyPr/>
+              <a:lstStyle/>
+              <a:p>
+                <a:r>
+                  <a:rPr lang="en-US">
+                    <a:noFill/>
+                  </a:rPr>
+                  <a:t> </a:t>
+                </a:r>
+              </a:p>
+            </p:txBody>
+          </p:sp>
+        </mc:Fallback>
+      </mc:AlternateContent>
       <mc:AlternateContent xmlns:mc="http://schemas.openxmlformats.org/markup-compatibility/2006">
         <mc:Choice xmlns:a14="http://schemas.microsoft.com/office/drawing/2010/main" Requires="a14">
           <p:sp>
@@ -16822,7 +16811,7 @@
             </p:nvSpPr>
             <p:spPr>
               <a:xfrm>
-                <a:off x="294289" y="2864598"/>
+                <a:off x="294289" y="3095826"/>
                 <a:ext cx="8555421" cy="1381877"/>
               </a:xfrm>
             </p:spPr>
@@ -16832,12 +16821,82 @@
               <a:p>
                 <a:r>
                   <a:rPr lang="en-US" sz="2400" dirty="0"/>
+                  <a:t>Design elements</a:t>
+                </a:r>
+              </a:p>
+              <a:p>
+                <a:pPr lvl="1"/>
+                <a:r>
+                  <a:rPr lang="en-US" sz="2000" dirty="0">
+                    <a:solidFill>
+                      <a:srgbClr val="FF0000"/>
+                    </a:solidFill>
+                  </a:rPr>
+                  <a:t>Controller</a:t>
+                </a:r>
+                <a:r>
+                  <a:rPr lang="en-US" sz="2000" dirty="0"/>
+                  <a:t>: adjust input based on “control error”</a:t>
+                </a:r>
+              </a:p>
+              <a:p>
+                <a:pPr lvl="1"/>
+                <a:r>
+                  <a:rPr lang="en-US" sz="2000" dirty="0">
+                    <a:solidFill>
+                      <a:srgbClr val="FF0000"/>
+                    </a:solidFill>
+                  </a:rPr>
+                  <a:t>Filter</a:t>
+                </a:r>
+                <a:r>
+                  <a:rPr lang="en-US" sz="2000" dirty="0"/>
+                  <a:t>: eliminate noise</a:t>
+                </a:r>
+              </a:p>
+              <a:p>
+                <a:pPr lvl="1"/>
+                <a:r>
+                  <a:rPr lang="en-US" sz="2000" dirty="0">
+                    <a:solidFill>
+                      <a:srgbClr val="FF0000"/>
+                    </a:solidFill>
+                  </a:rPr>
+                  <a:t>Compensations</a:t>
+                </a:r>
+                <a:r>
+                  <a:rPr lang="en-US" sz="2000" dirty="0"/>
+                  <a:t> (</a:t>
+                </a:r>
+                <a:r>
+                  <a:rPr lang="en-US" sz="2000" dirty="0" err="1">
+                    <a:solidFill>
+                      <a:srgbClr val="FF0000"/>
+                    </a:solidFill>
+                  </a:rPr>
+                  <a:t>Cmp</a:t>
+                </a:r>
+                <a:r>
+                  <a:rPr lang="en-US" sz="2000" dirty="0"/>
+                  <a:t>): Changes to OLS</a:t>
+                </a:r>
+              </a:p>
+              <a:p>
+                <a:r>
+                  <a:rPr lang="en-US" sz="2400" dirty="0"/>
+                  <a:t>A simple design</a:t>
+                </a:r>
+              </a:p>
+              <a:p>
+                <a:pPr lvl="1"/>
+                <a:r>
+                  <a:rPr lang="en-US" sz="2000" dirty="0"/>
                   <a:t>Proportional control: </a:t>
                 </a:r>
                 <a14:m>
                   <m:oMath xmlns:m="http://schemas.openxmlformats.org/officeDocument/2006/math">
                     <m:r>
-                      <a:rPr lang="en-US" sz="2400" b="0" i="1" smtClean="0">
+                      <a:rPr lang="en-US" sz="2000" b="0" i="1" smtClean="0">
                         <a:latin typeface="Cambria Math" panose="02040503050406030204" pitchFamily="18" charset="0"/>
                       </a:rPr>
                       <m:t>𝑢</m:t>
@@ -16845,14 +16904,14 @@
                     <m:d>
                       <m:dPr>
                         <m:ctrlPr>
-                          <a:rPr lang="en-US" sz="2400" b="0" i="1" smtClean="0">
+                          <a:rPr lang="en-US" sz="2000" b="0" i="1" smtClean="0">
                             <a:latin typeface="Cambria Math" panose="02040503050406030204" pitchFamily="18" charset="0"/>
                           </a:rPr>
                         </m:ctrlPr>
                       </m:dPr>
                       <m:e>
                         <m:r>
-                          <a:rPr lang="en-US" sz="2400" b="0" i="1" smtClean="0">
+                          <a:rPr lang="en-US" sz="2000" b="0" i="1" smtClean="0">
                             <a:latin typeface="Cambria Math" panose="02040503050406030204" pitchFamily="18" charset="0"/>
                           </a:rPr>
                           <m:t>𝑘</m:t>
@@ -16860,7 +16919,7 @@
                       </m:e>
                     </m:d>
                     <m:r>
-                      <a:rPr lang="en-US" sz="2400" b="0" i="1" smtClean="0">
+                      <a:rPr lang="en-US" sz="2000" b="0" i="1" smtClean="0">
                         <a:latin typeface="Cambria Math" panose="02040503050406030204" pitchFamily="18" charset="0"/>
                       </a:rPr>
                       <m:t>=</m:t>
@@ -16868,14 +16927,14 @@
                     <m:sSub>
                       <m:sSubPr>
                         <m:ctrlPr>
-                          <a:rPr lang="en-US" sz="2400" b="0" i="1" smtClean="0">
+                          <a:rPr lang="en-US" sz="2000" b="0" i="1" smtClean="0">
                             <a:latin typeface="Cambria Math" panose="02040503050406030204" pitchFamily="18" charset="0"/>
                           </a:rPr>
                         </m:ctrlPr>
                       </m:sSubPr>
                       <m:e>
                         <m:r>
-                          <a:rPr lang="en-US" sz="2400" b="0" i="1" smtClean="0">
+                          <a:rPr lang="en-US" sz="2000" b="0" i="1" smtClean="0">
                             <a:latin typeface="Cambria Math" panose="02040503050406030204" pitchFamily="18" charset="0"/>
                           </a:rPr>
                           <m:t>𝑘</m:t>
@@ -16883,7 +16942,7 @@
                       </m:e>
                       <m:sub>
                         <m:r>
-                          <a:rPr lang="en-US" sz="2400" b="0" i="1" smtClean="0">
+                          <a:rPr lang="en-US" sz="2000" b="0" i="1" smtClean="0">
                             <a:latin typeface="Cambria Math" panose="02040503050406030204" pitchFamily="18" charset="0"/>
                           </a:rPr>
                           <m:t>𝑃</m:t>
@@ -16891,13 +16950,13 @@
                       </m:sub>
                     </m:sSub>
                     <m:r>
-                      <a:rPr lang="en-US" sz="2400" b="0" i="1" smtClean="0">
+                      <a:rPr lang="en-US" sz="2000" b="0" i="1" smtClean="0">
                         <a:latin typeface="Cambria Math" panose="02040503050406030204" pitchFamily="18" charset="0"/>
                       </a:rPr>
                       <m:t>∗(</m:t>
                     </m:r>
                     <m:r>
-                      <a:rPr lang="en-US" sz="2400" b="0" i="1" smtClean="0">
+                      <a:rPr lang="en-US" sz="2000" b="0" i="1" smtClean="0">
                         <a:latin typeface="Cambria Math" panose="02040503050406030204" pitchFamily="18" charset="0"/>
                       </a:rPr>
                       <m:t>𝑦</m:t>
@@ -16905,14 +16964,14 @@
                     <m:d>
                       <m:dPr>
                         <m:ctrlPr>
-                          <a:rPr lang="en-US" sz="2400" b="0" i="1" smtClean="0">
+                          <a:rPr lang="en-US" sz="2000" b="0" i="1" smtClean="0">
                             <a:latin typeface="Cambria Math" panose="02040503050406030204" pitchFamily="18" charset="0"/>
                           </a:rPr>
                         </m:ctrlPr>
                       </m:dPr>
                       <m:e>
                         <m:r>
-                          <a:rPr lang="en-US" sz="2400" b="0" i="1" smtClean="0">
+                          <a:rPr lang="en-US" sz="2000" b="0" i="1" smtClean="0">
                             <a:latin typeface="Cambria Math" panose="02040503050406030204" pitchFamily="18" charset="0"/>
                           </a:rPr>
                           <m:t>𝑘</m:t>
@@ -16920,13 +16979,13 @@
                       </m:e>
                     </m:d>
                     <m:r>
-                      <a:rPr lang="en-US" sz="2400" b="0" i="1" smtClean="0">
+                      <a:rPr lang="en-US" sz="2000" b="0" i="1" smtClean="0">
                         <a:latin typeface="Cambria Math" panose="02040503050406030204" pitchFamily="18" charset="0"/>
                       </a:rPr>
                       <m:t>−</m:t>
                     </m:r>
                     <m:r>
-                      <a:rPr lang="en-US" sz="2400" b="0" i="1" smtClean="0">
+                      <a:rPr lang="en-US" sz="2000" b="0" i="1" smtClean="0">
                         <a:latin typeface="Cambria Math" panose="02040503050406030204" pitchFamily="18" charset="0"/>
                       </a:rPr>
                       <m:t>𝑟</m:t>
@@ -16934,14 +16993,14 @@
                     <m:d>
                       <m:dPr>
                         <m:ctrlPr>
-                          <a:rPr lang="en-US" sz="2400" b="0" i="1" smtClean="0">
+                          <a:rPr lang="en-US" sz="2000" b="0" i="1" smtClean="0">
                             <a:latin typeface="Cambria Math" panose="02040503050406030204" pitchFamily="18" charset="0"/>
                           </a:rPr>
                         </m:ctrlPr>
                       </m:dPr>
                       <m:e>
                         <m:r>
-                          <a:rPr lang="en-US" sz="2400" b="0" i="1" smtClean="0">
+                          <a:rPr lang="en-US" sz="2000" b="0" i="1" smtClean="0">
                             <a:latin typeface="Cambria Math" panose="02040503050406030204" pitchFamily="18" charset="0"/>
                           </a:rPr>
                           <m:t>𝑘</m:t>
@@ -16949,33 +17008,34 @@
                       </m:e>
                     </m:d>
                     <m:r>
-                      <a:rPr lang="en-US" sz="2400" b="0" i="1" smtClean="0">
+                      <a:rPr lang="en-US" sz="2000" b="0" i="1" smtClean="0">
                         <a:latin typeface="Cambria Math" panose="02040503050406030204" pitchFamily="18" charset="0"/>
                       </a:rPr>
                       <m:t>)</m:t>
                     </m:r>
                   </m:oMath>
                 </a14:m>
-                <a:endParaRPr lang="en-US" sz="2400" dirty="0"/>
+                <a:endParaRPr lang="en-US" sz="2000" dirty="0"/>
               </a:p>
               <a:p>
+                <a:pPr lvl="1"/>
                 <a:r>
-                  <a:rPr lang="en-US" sz="2400" dirty="0"/>
-                  <a:t>Design problem: find a good value of </a:t>
+                  <a:rPr lang="en-US" sz="2000" dirty="0"/>
+                  <a:t>Objective: Find a good value of </a:t>
                 </a:r>
                 <a14:m>
                   <m:oMath xmlns:m="http://schemas.openxmlformats.org/officeDocument/2006/math">
                     <m:sSub>
                       <m:sSubPr>
                         <m:ctrlPr>
-                          <a:rPr lang="en-US" sz="2400" b="0" i="1" smtClean="0">
+                          <a:rPr lang="en-US" sz="2000" b="0" i="1" smtClean="0">
                             <a:latin typeface="Cambria Math" panose="02040503050406030204" pitchFamily="18" charset="0"/>
                           </a:rPr>
                         </m:ctrlPr>
                       </m:sSubPr>
                       <m:e>
                         <m:r>
-                          <a:rPr lang="en-US" sz="2400" b="0" i="1" smtClean="0">
+                          <a:rPr lang="en-US" sz="2000" b="0" i="1" smtClean="0">
                             <a:latin typeface="Cambria Math" panose="02040503050406030204" pitchFamily="18" charset="0"/>
                           </a:rPr>
                           <m:t>𝑘</m:t>
@@ -16983,7 +17043,7 @@
                       </m:e>
                       <m:sub>
                         <m:r>
-                          <a:rPr lang="en-US" sz="2400" b="0" i="1" smtClean="0">
+                          <a:rPr lang="en-US" sz="2000" b="0" i="1" smtClean="0">
                             <a:latin typeface="Cambria Math" panose="02040503050406030204" pitchFamily="18" charset="0"/>
                           </a:rPr>
                           <m:t>𝑃</m:t>
@@ -16992,7 +17052,7 @@
                     </m:sSub>
                   </m:oMath>
                 </a14:m>
-                <a:endParaRPr lang="en-US" sz="2400" dirty="0"/>
+                <a:endParaRPr lang="en-US" sz="2000" dirty="0"/>
               </a:p>
             </p:txBody>
           </p:sp>
@@ -17016,13 +17076,13 @@
             </p:nvSpPr>
             <p:spPr>
               <a:xfrm>
-                <a:off x="294289" y="2864598"/>
+                <a:off x="294289" y="3095826"/>
                 <a:ext cx="8555421" cy="1381877"/>
               </a:xfrm>
               <a:blipFill>
                 <a:blip r:embed="rId9"/>
                 <a:stretch>
-                  <a:fillRect l="-1484" t="-5455"/>
+                  <a:fillRect l="-1484" t="-5455" b="-118182"/>
                 </a:stretch>
               </a:blipFill>
             </p:spPr>
@@ -17041,6 +17101,228 @@
           </p:sp>
         </mc:Fallback>
       </mc:AlternateContent>
+      <mc:AlternateContent xmlns:mc="http://schemas.openxmlformats.org/markup-compatibility/2006">
+        <mc:Choice xmlns:a14="http://schemas.microsoft.com/office/drawing/2010/main" Requires="a14">
+          <p:sp>
+            <p:nvSpPr>
+              <p:cNvPr id="3" name="Rectangle 2">
+                <a:extLst>
+                  <a:ext uri="{FF2B5EF4-FFF2-40B4-BE49-F238E27FC236}">
+                    <a16:creationId xmlns:a16="http://schemas.microsoft.com/office/drawing/2014/main" id="{9ABDCAC2-F7F8-57DD-F89C-99B5C0936ACD}"/>
+                  </a:ext>
+                </a:extLst>
+              </p:cNvPr>
+              <p:cNvSpPr>
+                <a:spLocks noChangeAspect="1"/>
+              </p:cNvSpPr>
+              <p:nvPr/>
+            </p:nvSpPr>
+            <p:spPr>
+              <a:xfrm>
+                <a:off x="3067870" y="2341257"/>
+                <a:ext cx="1148163" cy="613421"/>
+              </a:xfrm>
+              <a:prstGeom prst="rect">
+                <a:avLst/>
+              </a:prstGeom>
+              <a:solidFill>
+                <a:srgbClr val="FF0000"/>
+              </a:solidFill>
+              <a:ln>
+                <a:noFill/>
+              </a:ln>
+            </p:spPr>
+            <p:style>
+              <a:lnRef idx="1">
+                <a:schemeClr val="accent1"/>
+              </a:lnRef>
+              <a:fillRef idx="3">
+                <a:schemeClr val="accent1"/>
+              </a:fillRef>
+              <a:effectRef idx="2">
+                <a:schemeClr val="accent1"/>
+              </a:effectRef>
+              <a:fontRef idx="minor">
+                <a:schemeClr val="lt1"/>
+              </a:fontRef>
+            </p:style>
+            <p:txBody>
+              <a:bodyPr rtlCol="0" anchor="ctr"/>
+              <a:lstStyle/>
+              <a:p>
+                <a:pPr algn="ctr"/>
+                <a14:m>
+                  <m:oMathPara xmlns:m="http://schemas.openxmlformats.org/officeDocument/2006/math">
+                    <m:oMathParaPr>
+                      <m:jc m:val="centerGroup"/>
+                    </m:oMathParaPr>
+                    <m:oMath xmlns:m="http://schemas.openxmlformats.org/officeDocument/2006/math">
+                      <m:r>
+                        <a:rPr lang="en-US" sz="1600" b="0" i="1" smtClean="0">
+                          <a:latin typeface="Cambria Math" panose="02040503050406030204" pitchFamily="18" charset="0"/>
+                        </a:rPr>
+                        <m:t>𝐹𝑖𝑙𝑡𝑒𝑟</m:t>
+                      </m:r>
+                    </m:oMath>
+                  </m:oMathPara>
+                </a14:m>
+                <a:endParaRPr lang="en-US" sz="1600" dirty="0"/>
+              </a:p>
+            </p:txBody>
+          </p:sp>
+        </mc:Choice>
+        <mc:Fallback>
+          <p:sp>
+            <p:nvSpPr>
+              <p:cNvPr id="3" name="Rectangle 2">
+                <a:extLst>
+                  <a:ext uri="{FF2B5EF4-FFF2-40B4-BE49-F238E27FC236}">
+                    <a16:creationId xmlns:a16="http://schemas.microsoft.com/office/drawing/2014/main" id="{9ABDCAC2-F7F8-57DD-F89C-99B5C0936ACD}"/>
+                  </a:ext>
+                </a:extLst>
+              </p:cNvPr>
+              <p:cNvSpPr>
+                <a:spLocks noRot="1" noChangeAspect="1" noMove="1" noResize="1" noEditPoints="1" noAdjustHandles="1" noChangeArrowheads="1" noChangeShapeType="1" noTextEdit="1"/>
+              </p:cNvSpPr>
+              <p:nvPr/>
+            </p:nvSpPr>
+            <p:spPr>
+              <a:xfrm>
+                <a:off x="3067870" y="2341257"/>
+                <a:ext cx="1148163" cy="613421"/>
+              </a:xfrm>
+              <a:prstGeom prst="rect">
+                <a:avLst/>
+              </a:prstGeom>
+              <a:blipFill>
+                <a:blip r:embed="rId10"/>
+                <a:stretch>
+                  <a:fillRect/>
+                </a:stretch>
+              </a:blipFill>
+              <a:ln>
+                <a:noFill/>
+              </a:ln>
+            </p:spPr>
+            <p:txBody>
+              <a:bodyPr/>
+              <a:lstStyle/>
+              <a:p>
+                <a:r>
+                  <a:rPr lang="en-US">
+                    <a:noFill/>
+                  </a:rPr>
+                  <a:t> </a:t>
+                </a:r>
+              </a:p>
+            </p:txBody>
+          </p:sp>
+        </mc:Fallback>
+      </mc:AlternateContent>
+      <p:cxnSp>
+        <p:nvCxnSpPr>
+          <p:cNvPr id="23" name="Elbow Connector 22">
+            <a:extLst>
+              <a:ext uri="{FF2B5EF4-FFF2-40B4-BE49-F238E27FC236}">
+                <a16:creationId xmlns:a16="http://schemas.microsoft.com/office/drawing/2014/main" id="{9ED49B44-C32F-8D34-EF41-D537BBF99353}"/>
+              </a:ext>
+            </a:extLst>
+          </p:cNvPr>
+          <p:cNvCxnSpPr>
+            <a:cxnSpLocks/>
+            <a:stCxn id="3" idx="1"/>
+            <a:endCxn id="13" idx="4"/>
+          </p:cNvCxnSpPr>
+          <p:nvPr/>
+        </p:nvCxnSpPr>
+        <p:spPr>
+          <a:xfrm rot="10800000">
+            <a:off x="2158692" y="1818872"/>
+            <a:ext cx="909178" cy="829097"/>
+          </a:xfrm>
+          <a:prstGeom prst="bentConnector2">
+            <a:avLst/>
+          </a:prstGeom>
+          <a:ln w="19050">
+            <a:tailEnd type="triangle" w="lg" len="lg"/>
+          </a:ln>
+          <a:effectLst>
+            <a:outerShdw dist="20000" sx="1000" sy="1000" rotWithShape="0">
+              <a:srgbClr val="000000"/>
+            </a:outerShdw>
+          </a:effectLst>
+        </p:spPr>
+        <p:style>
+          <a:lnRef idx="2">
+            <a:schemeClr val="accent1"/>
+          </a:lnRef>
+          <a:fillRef idx="0">
+            <a:schemeClr val="accent1"/>
+          </a:fillRef>
+          <a:effectRef idx="1">
+            <a:schemeClr val="accent1"/>
+          </a:effectRef>
+          <a:fontRef idx="minor">
+            <a:schemeClr val="tx1"/>
+          </a:fontRef>
+        </p:style>
+      </p:cxnSp>
+      <p:sp>
+        <p:nvSpPr>
+          <p:cNvPr id="30" name="Rectangle 29">
+            <a:extLst>
+              <a:ext uri="{FF2B5EF4-FFF2-40B4-BE49-F238E27FC236}">
+                <a16:creationId xmlns:a16="http://schemas.microsoft.com/office/drawing/2014/main" id="{26E50C9B-AD99-8EA5-4F70-18C0805E3AC9}"/>
+              </a:ext>
+            </a:extLst>
+          </p:cNvPr>
+          <p:cNvSpPr>
+            <a:spLocks noChangeAspect="1"/>
+          </p:cNvSpPr>
+          <p:nvPr/>
+        </p:nvSpPr>
+        <p:spPr>
+          <a:xfrm>
+            <a:off x="4881203" y="1351343"/>
+            <a:ext cx="337844" cy="635003"/>
+          </a:xfrm>
+          <a:prstGeom prst="rect">
+            <a:avLst/>
+          </a:prstGeom>
+          <a:solidFill>
+            <a:srgbClr val="FF0000"/>
+          </a:solidFill>
+          <a:ln>
+            <a:noFill/>
+          </a:ln>
+        </p:spPr>
+        <p:style>
+          <a:lnRef idx="1">
+            <a:schemeClr val="accent1"/>
+          </a:lnRef>
+          <a:fillRef idx="3">
+            <a:schemeClr val="accent1"/>
+          </a:fillRef>
+          <a:effectRef idx="2">
+            <a:schemeClr val="accent1"/>
+          </a:effectRef>
+          <a:fontRef idx="minor">
+            <a:schemeClr val="lt1"/>
+          </a:fontRef>
+        </p:style>
+        <p:txBody>
+          <a:bodyPr rtlCol="0" anchor="ctr"/>
+          <a:lstStyle/>
+          <a:p>
+            <a:pPr algn="ctr"/>
+            <a:r>
+              <a:rPr lang="en-US" sz="1100" dirty="0" err="1"/>
+              <a:t>Cmp</a:t>
+            </a:r>
+            <a:endParaRPr lang="en-US" sz="1100" dirty="0"/>
+          </a:p>
+        </p:txBody>
+      </p:sp>
     </p:spTree>
     <p:extLst>
       <p:ext uri="{BB962C8B-B14F-4D97-AF65-F5344CB8AC3E}">
@@ -17240,8 +17522,8 @@
         </p:nvSpPr>
         <p:spPr>
           <a:xfrm>
-            <a:off x="541283" y="2771992"/>
-            <a:ext cx="8229600" cy="3800488"/>
+            <a:off x="541283" y="2708932"/>
+            <a:ext cx="8229600" cy="3127508"/>
           </a:xfrm>
           <a:prstGeom prst="rect">
             <a:avLst/>
@@ -17262,7 +17544,7 @@
             <a:pPr fontAlgn="base"/>
             <a:r>
               <a:rPr lang="en-US" sz="2000" dirty="0"/>
-              <a:t>Controllability</a:t>
+              <a:t>Analyze controllability</a:t>
             </a:r>
           </a:p>
           <a:p>
@@ -17276,7 +17558,7 @@
             <a:pPr fontAlgn="base"/>
             <a:r>
               <a:rPr lang="en-US" sz="2000" dirty="0"/>
-              <a:t>Control design</a:t>
+              <a:t>Knowledge of control design</a:t>
             </a:r>
           </a:p>
           <a:p>
@@ -17297,28 +17579,25 @@
             <a:pPr fontAlgn="base"/>
             <a:r>
               <a:rPr lang="en-US" sz="2000" dirty="0"/>
-              <a:t>Build testbeds for biochemical closed loop system</a:t>
+              <a:t>Build testbeds for biochemical closed loop system (using </a:t>
             </a:r>
-          </a:p>
-          <a:p>
-            <a:pPr lvl="1" fontAlgn="base"/>
             <a:r>
               <a:rPr lang="en-US" sz="1800" dirty="0"/>
-              <a:t>Uses Antimony and Tellurium</a:t>
+              <a:t>Antimony)</a:t>
             </a:r>
           </a:p>
           <a:p>
             <a:pPr fontAlgn="base"/>
             <a:r>
-              <a:rPr lang="en-US" sz="2000" dirty="0"/>
-              <a:t>Basic LTI theory</a:t>
+              <a:rPr lang="en-US" sz="1800" dirty="0"/>
+              <a:t>Basics of system identification</a:t>
             </a:r>
           </a:p>
           <a:p>
-            <a:pPr lvl="1" fontAlgn="base"/>
+            <a:pPr fontAlgn="base"/>
             <a:r>
               <a:rPr lang="en-US" sz="1800" dirty="0"/>
-              <a:t>Stability, accuracy, settling time, overshoot.</a:t>
+              <a:t>Predict stability, accuracy, settling time, overshoot (using LTI theory)</a:t>
             </a:r>
           </a:p>
           <a:p>
@@ -17390,7 +17669,7 @@
         </p:nvGrpSpPr>
         <p:grpSpPr>
           <a:xfrm>
-            <a:off x="1256817" y="1508229"/>
+            <a:off x="1256817" y="1392619"/>
             <a:ext cx="6016342" cy="1062802"/>
             <a:chOff x="394968" y="1619919"/>
             <a:chExt cx="6342163" cy="1100103"/>
@@ -17535,8 +17814,8 @@
             </a:fontRef>
           </p:style>
         </p:cxnSp>
-        <mc:AlternateContent xmlns:mc="http://schemas.openxmlformats.org/markup-compatibility/2006">
-          <mc:Choice xmlns:a14="http://schemas.microsoft.com/office/drawing/2010/main" Requires="a14">
+        <mc:AlternateContent xmlns:mc="http://schemas.openxmlformats.org/markup-compatibility/2006" xmlns:a14="http://schemas.microsoft.com/office/drawing/2010/main">
+          <mc:Choice Requires="a14">
             <p:sp>
               <p:nvSpPr>
                 <p:cNvPr id="6" name="Rectangle 5">
@@ -17592,7 +17871,7 @@
               </p:txBody>
             </p:sp>
           </mc:Choice>
-          <mc:Fallback>
+          <mc:Fallback xmlns="">
             <p:sp>
               <p:nvSpPr>
                 <p:cNvPr id="6" name="Rectangle 5">
@@ -17637,8 +17916,8 @@
             </p:sp>
           </mc:Fallback>
         </mc:AlternateContent>
-        <mc:AlternateContent xmlns:mc="http://schemas.openxmlformats.org/markup-compatibility/2006">
-          <mc:Choice xmlns:a14="http://schemas.microsoft.com/office/drawing/2010/main" Requires="a14">
+        <mc:AlternateContent xmlns:mc="http://schemas.openxmlformats.org/markup-compatibility/2006" xmlns:a14="http://schemas.microsoft.com/office/drawing/2010/main">
+          <mc:Choice Requires="a14">
             <p:sp>
               <p:nvSpPr>
                 <p:cNvPr id="7" name="Rectangle 6">
@@ -17701,7 +17980,7 @@
               </p:txBody>
             </p:sp>
           </mc:Choice>
-          <mc:Fallback>
+          <mc:Fallback xmlns="">
             <p:sp>
               <p:nvSpPr>
                 <p:cNvPr id="7" name="Rectangle 6">
@@ -17935,8 +18214,8 @@
             </a:fontRef>
           </p:style>
         </p:cxnSp>
-        <mc:AlternateContent xmlns:mc="http://schemas.openxmlformats.org/markup-compatibility/2006">
-          <mc:Choice xmlns:a14="http://schemas.microsoft.com/office/drawing/2010/main" Requires="a14">
+        <mc:AlternateContent xmlns:mc="http://schemas.openxmlformats.org/markup-compatibility/2006" xmlns:a14="http://schemas.microsoft.com/office/drawing/2010/main">
+          <mc:Choice Requires="a14">
             <p:sp>
               <p:nvSpPr>
                 <p:cNvPr id="12" name="TextBox 11">
@@ -17986,7 +18265,7 @@
               </p:txBody>
             </p:sp>
           </mc:Choice>
-          <mc:Fallback>
+          <mc:Fallback xmlns="">
             <p:sp>
               <p:nvSpPr>
                 <p:cNvPr id="12" name="TextBox 11">
@@ -18122,8 +18401,8 @@
             </a:fontRef>
           </p:style>
         </p:cxnSp>
-        <mc:AlternateContent xmlns:mc="http://schemas.openxmlformats.org/markup-compatibility/2006">
-          <mc:Choice xmlns:a14="http://schemas.microsoft.com/office/drawing/2010/main" Requires="a14">
+        <mc:AlternateContent xmlns:mc="http://schemas.openxmlformats.org/markup-compatibility/2006" xmlns:a14="http://schemas.microsoft.com/office/drawing/2010/main">
+          <mc:Choice Requires="a14">
             <p:sp>
               <p:nvSpPr>
                 <p:cNvPr id="15" name="Rectangle 14">
@@ -18247,7 +18526,7 @@
               </p:txBody>
             </p:sp>
           </mc:Choice>
-          <mc:Fallback>
+          <mc:Fallback xmlns="">
             <p:sp>
               <p:nvSpPr>
                 <p:cNvPr id="15" name="Rectangle 14">
@@ -18292,8 +18571,8 @@
             </p:sp>
           </mc:Fallback>
         </mc:AlternateContent>
-        <mc:AlternateContent xmlns:mc="http://schemas.openxmlformats.org/markup-compatibility/2006">
-          <mc:Choice xmlns:a14="http://schemas.microsoft.com/office/drawing/2010/main" Requires="a14">
+        <mc:AlternateContent xmlns:mc="http://schemas.openxmlformats.org/markup-compatibility/2006" xmlns:a14="http://schemas.microsoft.com/office/drawing/2010/main">
+          <mc:Choice Requires="a14">
             <p:sp>
               <p:nvSpPr>
                 <p:cNvPr id="16" name="Rectangle 15">
@@ -18372,7 +18651,7 @@
               </p:txBody>
             </p:sp>
           </mc:Choice>
-          <mc:Fallback>
+          <mc:Fallback xmlns="">
             <p:sp>
               <p:nvSpPr>
                 <p:cNvPr id="16" name="Rectangle 15">
@@ -18417,8 +18696,8 @@
             </p:sp>
           </mc:Fallback>
         </mc:AlternateContent>
-        <mc:AlternateContent xmlns:mc="http://schemas.openxmlformats.org/markup-compatibility/2006">
-          <mc:Choice xmlns:a14="http://schemas.microsoft.com/office/drawing/2010/main" Requires="a14">
+        <mc:AlternateContent xmlns:mc="http://schemas.openxmlformats.org/markup-compatibility/2006" xmlns:a14="http://schemas.microsoft.com/office/drawing/2010/main">
+          <mc:Choice Requires="a14">
             <p:sp>
               <p:nvSpPr>
                 <p:cNvPr id="17" name="Rectangle 16">
@@ -18500,7 +18779,7 @@
               </p:txBody>
             </p:sp>
           </mc:Choice>
-          <mc:Fallback>
+          <mc:Fallback xmlns="">
             <p:sp>
               <p:nvSpPr>
                 <p:cNvPr id="17" name="Rectangle 16">
@@ -18545,8 +18824,8 @@
             </p:sp>
           </mc:Fallback>
         </mc:AlternateContent>
-        <mc:AlternateContent xmlns:mc="http://schemas.openxmlformats.org/markup-compatibility/2006">
-          <mc:Choice xmlns:a14="http://schemas.microsoft.com/office/drawing/2010/main" Requires="a14">
+        <mc:AlternateContent xmlns:mc="http://schemas.openxmlformats.org/markup-compatibility/2006" xmlns:a14="http://schemas.microsoft.com/office/drawing/2010/main">
+          <mc:Choice Requires="a14">
             <p:sp>
               <p:nvSpPr>
                 <p:cNvPr id="18" name="Rectangle 17">
@@ -18628,7 +18907,7 @@
               </p:txBody>
             </p:sp>
           </mc:Choice>
-          <mc:Fallback>
+          <mc:Fallback xmlns="">
             <p:sp>
               <p:nvSpPr>
                 <p:cNvPr id="18" name="Rectangle 17">
@@ -18973,15 +19252,33 @@
                                   </p:childTnLst>
                                 </p:cTn>
                               </p:par>
+                            </p:childTnLst>
+                          </p:cTn>
+                        </p:par>
+                      </p:childTnLst>
+                    </p:cTn>
+                  </p:par>
+                  <p:par>
+                    <p:cTn id="25" fill="hold">
+                      <p:stCondLst>
+                        <p:cond delay="indefinite"/>
+                      </p:stCondLst>
+                      <p:childTnLst>
+                        <p:par>
+                          <p:cTn id="26" fill="hold">
+                            <p:stCondLst>
+                              <p:cond delay="0"/>
+                            </p:stCondLst>
+                            <p:childTnLst>
                               <p:par>
-                                <p:cTn id="25" presetID="1" presetClass="entr" presetSubtype="0" fill="hold" grpId="0" nodeType="withEffect">
+                                <p:cTn id="27" presetID="1" presetClass="entr" presetSubtype="0" fill="hold" grpId="0" nodeType="clickEffect">
                                   <p:stCondLst>
                                     <p:cond delay="0"/>
                                   </p:stCondLst>
                                   <p:childTnLst>
                                     <p:set>
                                       <p:cBhvr>
-                                        <p:cTn id="26" dur="1" fill="hold">
+                                        <p:cTn id="28" dur="1" fill="hold">
                                           <p:stCondLst>
                                             <p:cond delay="0"/>
                                           </p:stCondLst>
@@ -19011,50 +19308,19 @@
                     </p:cTn>
                   </p:par>
                   <p:par>
-                    <p:cTn id="27" fill="hold">
+                    <p:cTn id="29" fill="hold">
                       <p:stCondLst>
                         <p:cond delay="indefinite"/>
                       </p:stCondLst>
                       <p:childTnLst>
                         <p:par>
-                          <p:cTn id="28" fill="hold">
+                          <p:cTn id="30" fill="hold">
                             <p:stCondLst>
                               <p:cond delay="0"/>
                             </p:stCondLst>
                             <p:childTnLst>
                               <p:par>
-                                <p:cTn id="29" presetID="1" presetClass="entr" presetSubtype="0" fill="hold" grpId="0" nodeType="clickEffect">
-                                  <p:stCondLst>
-                                    <p:cond delay="0"/>
-                                  </p:stCondLst>
-                                  <p:childTnLst>
-                                    <p:set>
-                                      <p:cBhvr>
-                                        <p:cTn id="30" dur="1" fill="hold">
-                                          <p:stCondLst>
-                                            <p:cond delay="0"/>
-                                          </p:stCondLst>
-                                        </p:cTn>
-                                        <p:tgtEl>
-                                          <p:spTgt spid="175">
-                                            <p:txEl>
-                                              <p:pRg st="7" end="7"/>
-                                            </p:txEl>
-                                          </p:spTgt>
-                                        </p:tgtEl>
-                                        <p:attrNameLst>
-                                          <p:attrName>style.visibility</p:attrName>
-                                        </p:attrNameLst>
-                                      </p:cBhvr>
-                                      <p:to>
-                                        <p:strVal val="visible"/>
-                                      </p:to>
-                                    </p:set>
-                                  </p:childTnLst>
-                                </p:cTn>
-                              </p:par>
-                              <p:par>
-                                <p:cTn id="31" presetID="1" presetClass="entr" presetSubtype="0" fill="hold" grpId="0" nodeType="withEffect">
+                                <p:cTn id="31" presetID="1" presetClass="entr" presetSubtype="0" fill="hold" grpId="0" nodeType="clickEffect">
                                   <p:stCondLst>
                                     <p:cond delay="0"/>
                                   </p:stCondLst>
@@ -19069,7 +19335,7 @@
                                         <p:tgtEl>
                                           <p:spTgt spid="175">
                                             <p:txEl>
-                                              <p:pRg st="8" end="8"/>
+                                              <p:pRg st="7" end="7"/>
                                             </p:txEl>
                                           </p:spTgt>
                                         </p:tgtEl>
@@ -19118,7 +19384,7 @@
                                         <p:tgtEl>
                                           <p:spTgt spid="175">
                                             <p:txEl>
-                                              <p:pRg st="9" end="9"/>
+                                              <p:pRg st="8" end="8"/>
                                             </p:txEl>
                                           </p:spTgt>
                                         </p:tgtEl>
